--- a/APS_conf/slides.pptx
+++ b/APS_conf/slides.pptx
@@ -5970,8 +5970,8 @@
           </a:p>
         </p:txBody>
       </p:sp>
-      <mc:AlternateContent xmlns:mc="http://schemas.openxmlformats.org/markup-compatibility/2006">
-        <mc:Choice xmlns:a14="http://schemas.microsoft.com/office/drawing/2010/main" Requires="a14">
+      <mc:AlternateContent xmlns:mc="http://schemas.openxmlformats.org/markup-compatibility/2006" xmlns:a14="http://schemas.microsoft.com/office/drawing/2010/main">
+        <mc:Choice Requires="a14">
           <p:sp>
             <p:nvSpPr>
               <p:cNvPr id="6" name="Content Placeholder 5">
@@ -6703,7 +6703,7 @@
             </p:txBody>
           </p:sp>
         </mc:Choice>
-        <mc:Fallback>
+        <mc:Fallback xmlns="">
           <p:sp>
             <p:nvSpPr>
               <p:cNvPr id="6" name="Content Placeholder 5">
@@ -8921,8 +8921,8 @@
           </a:p>
         </p:txBody>
       </p:sp>
-      <mc:AlternateContent xmlns:mc="http://schemas.openxmlformats.org/markup-compatibility/2006">
-        <mc:Choice xmlns:a14="http://schemas.microsoft.com/office/drawing/2010/main" Requires="a14">
+      <mc:AlternateContent xmlns:mc="http://schemas.openxmlformats.org/markup-compatibility/2006" xmlns:a14="http://schemas.microsoft.com/office/drawing/2010/main">
+        <mc:Choice Requires="a14">
           <p:sp>
             <p:nvSpPr>
               <p:cNvPr id="3" name="Content Placeholder 2">
@@ -9213,7 +9213,7 @@
             </p:txBody>
           </p:sp>
         </mc:Choice>
-        <mc:Fallback>
+        <mc:Fallback xmlns="">
           <p:sp>
             <p:nvSpPr>
               <p:cNvPr id="3" name="Content Placeholder 2">
@@ -9709,7 +9709,7 @@
           <a:p>
             <a:r>
               <a:rPr lang="en-US" dirty="0"/>
-              <a:t>Problems</a:t>
+              <a:t>Problems with dynamic slipping</a:t>
             </a:r>
           </a:p>
         </p:txBody>
@@ -9753,36 +9753,6 @@
           </a:p>
         </p:txBody>
       </p:sp>
-      <p:pic>
-        <p:nvPicPr>
-          <p:cNvPr id="5" name="Picture 4">
-            <a:extLst>
-              <a:ext uri="{FF2B5EF4-FFF2-40B4-BE49-F238E27FC236}">
-                <a16:creationId xmlns:a16="http://schemas.microsoft.com/office/drawing/2014/main" id="{CD0C5C28-AA30-439C-A145-FD053DCAF2BB}"/>
-              </a:ext>
-            </a:extLst>
-          </p:cNvPr>
-          <p:cNvPicPr>
-            <a:picLocks noChangeAspect="1"/>
-          </p:cNvPicPr>
-          <p:nvPr/>
-        </p:nvPicPr>
-        <p:blipFill>
-          <a:blip r:embed="rId2"/>
-          <a:stretch>
-            <a:fillRect/>
-          </a:stretch>
-        </p:blipFill>
-        <p:spPr>
-          <a:xfrm>
-            <a:off x="6426679" y="1322717"/>
-            <a:ext cx="5681932" cy="4971690"/>
-          </a:xfrm>
-          <a:prstGeom prst="rect">
-            <a:avLst/>
-          </a:prstGeom>
-        </p:spPr>
-      </p:pic>
     </p:spTree>
     <p:extLst>
       <p:ext uri="{BB962C8B-B14F-4D97-AF65-F5344CB8AC3E}">
@@ -11490,8 +11460,8 @@
           </a:p>
         </p:txBody>
       </p:sp>
-      <mc:AlternateContent xmlns:mc="http://schemas.openxmlformats.org/markup-compatibility/2006">
-        <mc:Choice xmlns:a14="http://schemas.microsoft.com/office/drawing/2010/main" Requires="a14">
+      <mc:AlternateContent xmlns:mc="http://schemas.openxmlformats.org/markup-compatibility/2006" xmlns:a14="http://schemas.microsoft.com/office/drawing/2010/main">
+        <mc:Choice Requires="a14">
           <p:sp>
             <p:nvSpPr>
               <p:cNvPr id="3" name="Content Placeholder 2">
@@ -11583,7 +11553,7 @@
             </p:txBody>
           </p:sp>
         </mc:Choice>
-        <mc:Fallback>
+        <mc:Fallback xmlns="">
           <p:sp>
             <p:nvSpPr>
               <p:cNvPr id="3" name="Content Placeholder 2">
@@ -13038,7 +13008,7 @@
           <a:p>
             <a:r>
               <a:rPr lang="en-US" dirty="0"/>
-              <a:t>Notice that the total force on one marker is always normal to the interface. </a:t>
+              <a:t>Note that the total force on one marker is always normal to the interface. </a:t>
             </a:r>
           </a:p>
         </p:txBody>
@@ -14957,8 +14927,8 @@
           </a:p>
         </p:txBody>
       </p:sp>
-      <mc:AlternateContent xmlns:mc="http://schemas.openxmlformats.org/markup-compatibility/2006">
-        <mc:Choice xmlns:a14="http://schemas.microsoft.com/office/drawing/2010/main" Requires="a14">
+      <mc:AlternateContent xmlns:mc="http://schemas.openxmlformats.org/markup-compatibility/2006" xmlns:a14="http://schemas.microsoft.com/office/drawing/2010/main">
+        <mc:Choice Requires="a14">
           <p:sp>
             <p:nvSpPr>
               <p:cNvPr id="3" name="Content Placeholder 2">
@@ -15039,7 +15009,7 @@
             </p:txBody>
           </p:sp>
         </mc:Choice>
-        <mc:Fallback>
+        <mc:Fallback xmlns="">
           <p:sp>
             <p:nvSpPr>
               <p:cNvPr id="3" name="Content Placeholder 2">

--- a/APS_conf/slides.pptx
+++ b/APS_conf/slides.pptx
@@ -7,48 +7,49 @@
   <p:sldIdLst>
     <p:sldId id="282" r:id="rId2"/>
     <p:sldId id="296" r:id="rId3"/>
-    <p:sldId id="259" r:id="rId4"/>
-    <p:sldId id="261" r:id="rId5"/>
-    <p:sldId id="262" r:id="rId6"/>
-    <p:sldId id="266" r:id="rId7"/>
-    <p:sldId id="267" r:id="rId8"/>
-    <p:sldId id="260" r:id="rId9"/>
-    <p:sldId id="263" r:id="rId10"/>
-    <p:sldId id="265" r:id="rId11"/>
-    <p:sldId id="268" r:id="rId12"/>
-    <p:sldId id="269" r:id="rId13"/>
-    <p:sldId id="270" r:id="rId14"/>
-    <p:sldId id="271" r:id="rId15"/>
-    <p:sldId id="272" r:id="rId16"/>
-    <p:sldId id="273" r:id="rId17"/>
-    <p:sldId id="274" r:id="rId18"/>
-    <p:sldId id="275" r:id="rId19"/>
-    <p:sldId id="276" r:id="rId20"/>
-    <p:sldId id="277" r:id="rId21"/>
-    <p:sldId id="278" r:id="rId22"/>
-    <p:sldId id="309" r:id="rId23"/>
-    <p:sldId id="317" r:id="rId24"/>
-    <p:sldId id="280" r:id="rId25"/>
-    <p:sldId id="297" r:id="rId26"/>
-    <p:sldId id="294" r:id="rId27"/>
-    <p:sldId id="295" r:id="rId28"/>
-    <p:sldId id="298" r:id="rId29"/>
-    <p:sldId id="304" r:id="rId30"/>
-    <p:sldId id="305" r:id="rId31"/>
-    <p:sldId id="303" r:id="rId32"/>
-    <p:sldId id="299" r:id="rId33"/>
-    <p:sldId id="313" r:id="rId34"/>
-    <p:sldId id="315" r:id="rId35"/>
-    <p:sldId id="316" r:id="rId36"/>
-    <p:sldId id="300" r:id="rId37"/>
-    <p:sldId id="314" r:id="rId38"/>
-    <p:sldId id="306" r:id="rId39"/>
-    <p:sldId id="307" r:id="rId40"/>
-    <p:sldId id="311" r:id="rId41"/>
-    <p:sldId id="310" r:id="rId42"/>
-    <p:sldId id="312" r:id="rId43"/>
-    <p:sldId id="318" r:id="rId44"/>
-    <p:sldId id="290" r:id="rId45"/>
+    <p:sldId id="322" r:id="rId4"/>
+    <p:sldId id="259" r:id="rId5"/>
+    <p:sldId id="261" r:id="rId6"/>
+    <p:sldId id="262" r:id="rId7"/>
+    <p:sldId id="266" r:id="rId8"/>
+    <p:sldId id="267" r:id="rId9"/>
+    <p:sldId id="260" r:id="rId10"/>
+    <p:sldId id="263" r:id="rId11"/>
+    <p:sldId id="265" r:id="rId12"/>
+    <p:sldId id="268" r:id="rId13"/>
+    <p:sldId id="269" r:id="rId14"/>
+    <p:sldId id="270" r:id="rId15"/>
+    <p:sldId id="271" r:id="rId16"/>
+    <p:sldId id="272" r:id="rId17"/>
+    <p:sldId id="273" r:id="rId18"/>
+    <p:sldId id="274" r:id="rId19"/>
+    <p:sldId id="275" r:id="rId20"/>
+    <p:sldId id="276" r:id="rId21"/>
+    <p:sldId id="277" r:id="rId22"/>
+    <p:sldId id="278" r:id="rId23"/>
+    <p:sldId id="309" r:id="rId24"/>
+    <p:sldId id="317" r:id="rId25"/>
+    <p:sldId id="319" r:id="rId26"/>
+    <p:sldId id="297" r:id="rId27"/>
+    <p:sldId id="294" r:id="rId28"/>
+    <p:sldId id="295" r:id="rId29"/>
+    <p:sldId id="298" r:id="rId30"/>
+    <p:sldId id="304" r:id="rId31"/>
+    <p:sldId id="320" r:id="rId32"/>
+    <p:sldId id="321" r:id="rId33"/>
+    <p:sldId id="299" r:id="rId34"/>
+    <p:sldId id="313" r:id="rId35"/>
+    <p:sldId id="315" r:id="rId36"/>
+    <p:sldId id="316" r:id="rId37"/>
+    <p:sldId id="300" r:id="rId38"/>
+    <p:sldId id="314" r:id="rId39"/>
+    <p:sldId id="306" r:id="rId40"/>
+    <p:sldId id="307" r:id="rId41"/>
+    <p:sldId id="311" r:id="rId42"/>
+    <p:sldId id="310" r:id="rId43"/>
+    <p:sldId id="312" r:id="rId44"/>
+    <p:sldId id="318" r:id="rId45"/>
+    <p:sldId id="290" r:id="rId46"/>
   </p:sldIdLst>
   <p:sldSz cx="12192000" cy="6858000"/>
   <p:notesSz cx="6858000" cy="9144000"/>
@@ -302,7 +303,7 @@
           <a:p>
             <a:fld id="{923D93FA-536B-48E3-AAAA-0AB6C6F4A41F}" type="datetimeFigureOut">
               <a:rPr lang="en-US" smtClean="0"/>
-              <a:t>11/11/2020</a:t>
+              <a:t>11/17/2020</a:t>
             </a:fld>
             <a:endParaRPr lang="en-US"/>
           </a:p>
@@ -500,7 +501,7 @@
           <a:p>
             <a:fld id="{923D93FA-536B-48E3-AAAA-0AB6C6F4A41F}" type="datetimeFigureOut">
               <a:rPr lang="en-US" smtClean="0"/>
-              <a:t>11/11/2020</a:t>
+              <a:t>11/17/2020</a:t>
             </a:fld>
             <a:endParaRPr lang="en-US"/>
           </a:p>
@@ -708,7 +709,7 @@
           <a:p>
             <a:fld id="{923D93FA-536B-48E3-AAAA-0AB6C6F4A41F}" type="datetimeFigureOut">
               <a:rPr lang="en-US" smtClean="0"/>
-              <a:t>11/11/2020</a:t>
+              <a:t>11/17/2020</a:t>
             </a:fld>
             <a:endParaRPr lang="en-US"/>
           </a:p>
@@ -906,7 +907,7 @@
           <a:p>
             <a:fld id="{923D93FA-536B-48E3-AAAA-0AB6C6F4A41F}" type="datetimeFigureOut">
               <a:rPr lang="en-US" smtClean="0"/>
-              <a:t>11/11/2020</a:t>
+              <a:t>11/17/2020</a:t>
             </a:fld>
             <a:endParaRPr lang="en-US"/>
           </a:p>
@@ -1181,7 +1182,7 @@
           <a:p>
             <a:fld id="{923D93FA-536B-48E3-AAAA-0AB6C6F4A41F}" type="datetimeFigureOut">
               <a:rPr lang="en-US" smtClean="0"/>
-              <a:t>11/11/2020</a:t>
+              <a:t>11/17/2020</a:t>
             </a:fld>
             <a:endParaRPr lang="en-US"/>
           </a:p>
@@ -1446,7 +1447,7 @@
           <a:p>
             <a:fld id="{923D93FA-536B-48E3-AAAA-0AB6C6F4A41F}" type="datetimeFigureOut">
               <a:rPr lang="en-US" smtClean="0"/>
-              <a:t>11/11/2020</a:t>
+              <a:t>11/17/2020</a:t>
             </a:fld>
             <a:endParaRPr lang="en-US"/>
           </a:p>
@@ -1858,7 +1859,7 @@
           <a:p>
             <a:fld id="{923D93FA-536B-48E3-AAAA-0AB6C6F4A41F}" type="datetimeFigureOut">
               <a:rPr lang="en-US" smtClean="0"/>
-              <a:t>11/11/2020</a:t>
+              <a:t>11/17/2020</a:t>
             </a:fld>
             <a:endParaRPr lang="en-US"/>
           </a:p>
@@ -1999,7 +2000,7 @@
           <a:p>
             <a:fld id="{923D93FA-536B-48E3-AAAA-0AB6C6F4A41F}" type="datetimeFigureOut">
               <a:rPr lang="en-US" smtClean="0"/>
-              <a:t>11/11/2020</a:t>
+              <a:t>11/17/2020</a:t>
             </a:fld>
             <a:endParaRPr lang="en-US"/>
           </a:p>
@@ -2112,7 +2113,7 @@
           <a:p>
             <a:fld id="{923D93FA-536B-48E3-AAAA-0AB6C6F4A41F}" type="datetimeFigureOut">
               <a:rPr lang="en-US" smtClean="0"/>
-              <a:t>11/11/2020</a:t>
+              <a:t>11/17/2020</a:t>
             </a:fld>
             <a:endParaRPr lang="en-US"/>
           </a:p>
@@ -2423,7 +2424,7 @@
           <a:p>
             <a:fld id="{923D93FA-536B-48E3-AAAA-0AB6C6F4A41F}" type="datetimeFigureOut">
               <a:rPr lang="en-US" smtClean="0"/>
-              <a:t>11/11/2020</a:t>
+              <a:t>11/17/2020</a:t>
             </a:fld>
             <a:endParaRPr lang="en-US"/>
           </a:p>
@@ -2711,7 +2712,7 @@
           <a:p>
             <a:fld id="{923D93FA-536B-48E3-AAAA-0AB6C6F4A41F}" type="datetimeFigureOut">
               <a:rPr lang="en-US" smtClean="0"/>
-              <a:t>11/11/2020</a:t>
+              <a:t>11/17/2020</a:t>
             </a:fld>
             <a:endParaRPr lang="en-US"/>
           </a:p>
@@ -2952,7 +2953,7 @@
           <a:p>
             <a:fld id="{923D93FA-536B-48E3-AAAA-0AB6C6F4A41F}" type="datetimeFigureOut">
               <a:rPr lang="en-US" smtClean="0"/>
-              <a:t>11/11/2020</a:t>
+              <a:t>11/17/2020</a:t>
             </a:fld>
             <a:endParaRPr lang="en-US"/>
           </a:p>
@@ -3600,125 +3601,193 @@
           </a:p>
         </p:txBody>
       </p:sp>
-      <p:pic>
-        <p:nvPicPr>
-          <p:cNvPr id="7" name="Picture 6">
-            <a:extLst>
-              <a:ext uri="{FF2B5EF4-FFF2-40B4-BE49-F238E27FC236}">
-                <a16:creationId xmlns:a16="http://schemas.microsoft.com/office/drawing/2014/main" id="{A6771EAE-ED71-4996-A6E0-0AB9FF26FBE6}"/>
-              </a:ext>
-            </a:extLst>
-          </p:cNvPr>
-          <p:cNvPicPr>
-            <a:picLocks noChangeAspect="1"/>
-          </p:cNvPicPr>
+      <p:grpSp>
+        <p:nvGrpSpPr>
+          <p:cNvPr id="6" name="Group 5">
+            <a:extLst>
+              <a:ext uri="{FF2B5EF4-FFF2-40B4-BE49-F238E27FC236}">
+                <a16:creationId xmlns:a16="http://schemas.microsoft.com/office/drawing/2014/main" id="{F4600324-2A55-40EF-924F-D495862835C5}"/>
+              </a:ext>
+            </a:extLst>
+          </p:cNvPr>
+          <p:cNvGrpSpPr/>
           <p:nvPr/>
-        </p:nvPicPr>
-        <p:blipFill>
-          <a:blip r:embed="rId2">
-            <a:extLst>
-              <a:ext uri="{28A0092B-C50C-407E-A947-70E740481C1C}">
-                <a14:useLocalDpi xmlns:a14="http://schemas.microsoft.com/office/drawing/2010/main" val="0"/>
-              </a:ext>
-            </a:extLst>
-          </a:blip>
-          <a:stretch>
-            <a:fillRect/>
-          </a:stretch>
-        </p:blipFill>
-        <p:spPr>
+        </p:nvGrpSpPr>
+        <p:grpSpPr>
           <a:xfrm>
-            <a:off x="7366383" y="5676900"/>
-            <a:ext cx="1181100" cy="1181100"/>
+            <a:off x="2601043" y="5676899"/>
+            <a:ext cx="6989913" cy="1181101"/>
+            <a:chOff x="2546590" y="5582008"/>
+            <a:chExt cx="6989913" cy="1181101"/>
           </a:xfrm>
-          <a:prstGeom prst="rect">
-            <a:avLst/>
-          </a:prstGeom>
-        </p:spPr>
-      </p:pic>
-      <p:pic>
-        <p:nvPicPr>
-          <p:cNvPr id="9" name="Picture 8">
-            <a:extLst>
-              <a:ext uri="{FF2B5EF4-FFF2-40B4-BE49-F238E27FC236}">
-                <a16:creationId xmlns:a16="http://schemas.microsoft.com/office/drawing/2014/main" id="{5FD2417B-C752-44BF-B75C-117B4975919E}"/>
-              </a:ext>
-            </a:extLst>
-          </p:cNvPr>
-          <p:cNvPicPr>
-            <a:picLocks noChangeAspect="1"/>
-          </p:cNvPicPr>
-          <p:nvPr/>
-        </p:nvPicPr>
-        <p:blipFill>
-          <a:blip r:embed="rId3">
-            <a:extLst>
-              <a:ext uri="{28A0092B-C50C-407E-A947-70E740481C1C}">
-                <a14:useLocalDpi xmlns:a14="http://schemas.microsoft.com/office/drawing/2010/main" val="0"/>
-              </a:ext>
-            </a:extLst>
-          </a:blip>
-          <a:stretch>
-            <a:fillRect/>
-          </a:stretch>
-        </p:blipFill>
-        <p:spPr>
-          <a:xfrm>
-            <a:off x="3748030" y="5664320"/>
-            <a:ext cx="1181100" cy="1181100"/>
-          </a:xfrm>
-          <a:prstGeom prst="rect">
-            <a:avLst/>
-          </a:prstGeom>
-        </p:spPr>
-      </p:pic>
-      <p:pic>
-        <p:nvPicPr>
-          <p:cNvPr id="1026" name="Picture 2">
-            <a:extLst>
-              <a:ext uri="{FF2B5EF4-FFF2-40B4-BE49-F238E27FC236}">
-                <a16:creationId xmlns:a16="http://schemas.microsoft.com/office/drawing/2014/main" id="{D56A6AE9-5134-4AD2-AC72-A056D9E2B091}"/>
-              </a:ext>
-            </a:extLst>
-          </p:cNvPr>
-          <p:cNvPicPr>
-            <a:picLocks noChangeAspect="1" noChangeArrowheads="1"/>
-          </p:cNvPicPr>
-          <p:nvPr/>
-        </p:nvPicPr>
-        <p:blipFill>
-          <a:blip r:embed="rId4">
-            <a:extLst>
-              <a:ext uri="{28A0092B-C50C-407E-A947-70E740481C1C}">
-                <a14:useLocalDpi xmlns:a14="http://schemas.microsoft.com/office/drawing/2010/main" val="0"/>
-              </a:ext>
-            </a:extLst>
-          </a:blip>
-          <a:srcRect/>
-          <a:stretch>
-            <a:fillRect/>
-          </a:stretch>
-        </p:blipFill>
-        <p:spPr bwMode="auto">
-          <a:xfrm>
-            <a:off x="5505450" y="5676900"/>
-            <a:ext cx="1181100" cy="1181100"/>
-          </a:xfrm>
-          <a:prstGeom prst="rect">
-            <a:avLst/>
-          </a:prstGeom>
-          <a:noFill/>
-          <a:extLst>
-            <a:ext uri="{909E8E84-426E-40DD-AFC4-6F175D3DCCD1}">
-              <a14:hiddenFill xmlns:a14="http://schemas.microsoft.com/office/drawing/2010/main">
-                <a:solidFill>
-                  <a:srgbClr val="FFFFFF"/>
-                </a:solidFill>
-              </a14:hiddenFill>
-            </a:ext>
-          </a:extLst>
-        </p:spPr>
-      </p:pic>
+        </p:grpSpPr>
+        <p:pic>
+          <p:nvPicPr>
+            <p:cNvPr id="7" name="Picture 6">
+              <a:extLst>
+                <a:ext uri="{FF2B5EF4-FFF2-40B4-BE49-F238E27FC236}">
+                  <a16:creationId xmlns:a16="http://schemas.microsoft.com/office/drawing/2014/main" id="{A6771EAE-ED71-4996-A6E0-0AB9FF26FBE6}"/>
+                </a:ext>
+              </a:extLst>
+            </p:cNvPr>
+            <p:cNvPicPr>
+              <a:picLocks noChangeAspect="1"/>
+            </p:cNvPicPr>
+            <p:nvPr/>
+          </p:nvPicPr>
+          <p:blipFill>
+            <a:blip r:embed="rId2">
+              <a:extLst>
+                <a:ext uri="{28A0092B-C50C-407E-A947-70E740481C1C}">
+                  <a14:useLocalDpi xmlns:a14="http://schemas.microsoft.com/office/drawing/2010/main" val="0"/>
+                </a:ext>
+              </a:extLst>
+            </a:blip>
+            <a:stretch>
+              <a:fillRect/>
+            </a:stretch>
+          </p:blipFill>
+          <p:spPr>
+            <a:xfrm>
+              <a:off x="8355403" y="5582008"/>
+              <a:ext cx="1181100" cy="1181100"/>
+            </a:xfrm>
+            <a:prstGeom prst="rect">
+              <a:avLst/>
+            </a:prstGeom>
+          </p:spPr>
+        </p:pic>
+        <p:pic>
+          <p:nvPicPr>
+            <p:cNvPr id="9" name="Picture 8">
+              <a:extLst>
+                <a:ext uri="{FF2B5EF4-FFF2-40B4-BE49-F238E27FC236}">
+                  <a16:creationId xmlns:a16="http://schemas.microsoft.com/office/drawing/2014/main" id="{5FD2417B-C752-44BF-B75C-117B4975919E}"/>
+                </a:ext>
+              </a:extLst>
+            </p:cNvPr>
+            <p:cNvPicPr>
+              <a:picLocks noChangeAspect="1"/>
+            </p:cNvPicPr>
+            <p:nvPr/>
+          </p:nvPicPr>
+          <p:blipFill>
+            <a:blip r:embed="rId3">
+              <a:extLst>
+                <a:ext uri="{28A0092B-C50C-407E-A947-70E740481C1C}">
+                  <a14:useLocalDpi xmlns:a14="http://schemas.microsoft.com/office/drawing/2010/main" val="0"/>
+                </a:ext>
+              </a:extLst>
+            </a:blip>
+            <a:stretch>
+              <a:fillRect/>
+            </a:stretch>
+          </p:blipFill>
+          <p:spPr>
+            <a:xfrm>
+              <a:off x="4482861" y="5582009"/>
+              <a:ext cx="1181100" cy="1181100"/>
+            </a:xfrm>
+            <a:prstGeom prst="rect">
+              <a:avLst/>
+            </a:prstGeom>
+          </p:spPr>
+        </p:pic>
+        <p:pic>
+          <p:nvPicPr>
+            <p:cNvPr id="1026" name="Picture 2">
+              <a:extLst>
+                <a:ext uri="{FF2B5EF4-FFF2-40B4-BE49-F238E27FC236}">
+                  <a16:creationId xmlns:a16="http://schemas.microsoft.com/office/drawing/2014/main" id="{D56A6AE9-5134-4AD2-AC72-A056D9E2B091}"/>
+                </a:ext>
+              </a:extLst>
+            </p:cNvPr>
+            <p:cNvPicPr>
+              <a:picLocks noChangeAspect="1" noChangeArrowheads="1"/>
+            </p:cNvPicPr>
+            <p:nvPr/>
+          </p:nvPicPr>
+          <p:blipFill>
+            <a:blip r:embed="rId4">
+              <a:extLst>
+                <a:ext uri="{28A0092B-C50C-407E-A947-70E740481C1C}">
+                  <a14:useLocalDpi xmlns:a14="http://schemas.microsoft.com/office/drawing/2010/main" val="0"/>
+                </a:ext>
+              </a:extLst>
+            </a:blip>
+            <a:srcRect/>
+            <a:stretch>
+              <a:fillRect/>
+            </a:stretch>
+          </p:blipFill>
+          <p:spPr bwMode="auto">
+            <a:xfrm>
+              <a:off x="2546590" y="5582009"/>
+              <a:ext cx="1181100" cy="1181100"/>
+            </a:xfrm>
+            <a:prstGeom prst="rect">
+              <a:avLst/>
+            </a:prstGeom>
+            <a:noFill/>
+            <a:extLst>
+              <a:ext uri="{909E8E84-426E-40DD-AFC4-6F175D3DCCD1}">
+                <a14:hiddenFill xmlns:a14="http://schemas.microsoft.com/office/drawing/2010/main">
+                  <a:solidFill>
+                    <a:srgbClr val="FFFFFF"/>
+                  </a:solidFill>
+                </a14:hiddenFill>
+              </a:ext>
+            </a:extLst>
+          </p:spPr>
+        </p:pic>
+        <p:pic>
+          <p:nvPicPr>
+            <p:cNvPr id="4" name="Picture 2" descr="Baylor-College-of-Medicine-Logo - ICE">
+              <a:extLst>
+                <a:ext uri="{FF2B5EF4-FFF2-40B4-BE49-F238E27FC236}">
+                  <a16:creationId xmlns:a16="http://schemas.microsoft.com/office/drawing/2014/main" id="{3A65F58A-510B-4135-B1A2-E33F8F358746}"/>
+                </a:ext>
+              </a:extLst>
+            </p:cNvPr>
+            <p:cNvPicPr>
+              <a:picLocks noChangeAspect="1" noChangeArrowheads="1"/>
+            </p:cNvPicPr>
+            <p:nvPr/>
+          </p:nvPicPr>
+          <p:blipFill>
+            <a:blip r:embed="rId5">
+              <a:extLst>
+                <a:ext uri="{28A0092B-C50C-407E-A947-70E740481C1C}">
+                  <a14:useLocalDpi xmlns:a14="http://schemas.microsoft.com/office/drawing/2010/main" val="0"/>
+                </a:ext>
+              </a:extLst>
+            </a:blip>
+            <a:srcRect/>
+            <a:stretch>
+              <a:fillRect/>
+            </a:stretch>
+          </p:blipFill>
+          <p:spPr bwMode="auto">
+            <a:xfrm>
+              <a:off x="6419132" y="5675350"/>
+              <a:ext cx="1181100" cy="994417"/>
+            </a:xfrm>
+            <a:prstGeom prst="rect">
+              <a:avLst/>
+            </a:prstGeom>
+            <a:noFill/>
+            <a:extLst>
+              <a:ext uri="{909E8E84-426E-40DD-AFC4-6F175D3DCCD1}">
+                <a14:hiddenFill xmlns:a14="http://schemas.microsoft.com/office/drawing/2010/main">
+                  <a:solidFill>
+                    <a:srgbClr val="FFFFFF"/>
+                  </a:solidFill>
+                </a14:hiddenFill>
+              </a:ext>
+            </a:extLst>
+          </p:spPr>
+        </p:pic>
+      </p:grpSp>
     </p:spTree>
     <p:extLst>
       <p:ext uri="{BB962C8B-B14F-4D97-AF65-F5344CB8AC3E}">
@@ -3733,6 +3802,150 @@
 </file>
 
 <file path=ppt/slides/slide10.xml><?xml version="1.0" encoding="utf-8"?>
+<p:sld xmlns:a="http://schemas.openxmlformats.org/drawingml/2006/main" xmlns:r="http://schemas.openxmlformats.org/officeDocument/2006/relationships" xmlns:p="http://schemas.openxmlformats.org/presentationml/2006/main">
+  <p:cSld>
+    <p:spTree>
+      <p:nvGrpSpPr>
+        <p:cNvPr id="1" name=""/>
+        <p:cNvGrpSpPr/>
+        <p:nvPr/>
+      </p:nvGrpSpPr>
+      <p:grpSpPr>
+        <a:xfrm>
+          <a:off x="0" y="0"/>
+          <a:ext cx="0" cy="0"/>
+          <a:chOff x="0" y="0"/>
+          <a:chExt cx="0" cy="0"/>
+        </a:xfrm>
+      </p:grpSpPr>
+      <p:sp>
+        <p:nvSpPr>
+          <p:cNvPr id="2" name="Title 1">
+            <a:extLst>
+              <a:ext uri="{FF2B5EF4-FFF2-40B4-BE49-F238E27FC236}">
+                <a16:creationId xmlns:a16="http://schemas.microsoft.com/office/drawing/2014/main" id="{6564ABF9-DCC8-4782-831D-E073095DA179}"/>
+              </a:ext>
+            </a:extLst>
+          </p:cNvPr>
+          <p:cNvSpPr>
+            <a:spLocks noGrp="1"/>
+          </p:cNvSpPr>
+          <p:nvPr>
+            <p:ph type="title"/>
+          </p:nvPr>
+        </p:nvSpPr>
+        <p:spPr/>
+        <p:txBody>
+          <a:bodyPr/>
+          <a:lstStyle/>
+          <a:p>
+            <a:r>
+              <a:rPr lang="en-US" dirty="0"/>
+              <a:t>No-slip friction balances Young’s force</a:t>
+            </a:r>
+          </a:p>
+        </p:txBody>
+      </p:sp>
+      <p:sp>
+        <p:nvSpPr>
+          <p:cNvPr id="3" name="Content Placeholder 2">
+            <a:extLst>
+              <a:ext uri="{FF2B5EF4-FFF2-40B4-BE49-F238E27FC236}">
+                <a16:creationId xmlns:a16="http://schemas.microsoft.com/office/drawing/2014/main" id="{D19F7DD8-AF45-4BF4-AA56-A90AABA1D81F}"/>
+              </a:ext>
+            </a:extLst>
+          </p:cNvPr>
+          <p:cNvSpPr>
+            <a:spLocks noGrp="1"/>
+          </p:cNvSpPr>
+          <p:nvPr>
+            <p:ph idx="1"/>
+          </p:nvPr>
+        </p:nvSpPr>
+        <p:spPr>
+          <a:xfrm>
+            <a:off x="838200" y="1825625"/>
+            <a:ext cx="6968706" cy="4667250"/>
+          </a:xfrm>
+        </p:spPr>
+        <p:txBody>
+          <a:bodyPr>
+            <a:normAutofit/>
+          </a:bodyPr>
+          <a:lstStyle/>
+          <a:p>
+            <a:r>
+              <a:rPr lang="en-US" dirty="0"/>
+              <a:t>No-slip simply means that this friction force is a </a:t>
+            </a:r>
+            <a:r>
+              <a:rPr lang="en-US" i="1" dirty="0"/>
+              <a:t>reactive force</a:t>
+            </a:r>
+            <a:r>
+              <a:rPr lang="en-US" dirty="0"/>
+              <a:t>, always balancing the sum of </a:t>
+            </a:r>
+            <a:r>
+              <a:rPr lang="en-US" i="1" dirty="0"/>
+              <a:t>active forces </a:t>
+            </a:r>
+            <a:r>
+              <a:rPr lang="en-US" dirty="0"/>
+              <a:t>at this location in the vertical direction. </a:t>
+            </a:r>
+          </a:p>
+        </p:txBody>
+      </p:sp>
+      <p:pic>
+        <p:nvPicPr>
+          <p:cNvPr id="5" name="Picture 4">
+            <a:extLst>
+              <a:ext uri="{FF2B5EF4-FFF2-40B4-BE49-F238E27FC236}">
+                <a16:creationId xmlns:a16="http://schemas.microsoft.com/office/drawing/2014/main" id="{89D14528-7E50-489A-A2BE-6BDD75AB2CCB}"/>
+              </a:ext>
+            </a:extLst>
+          </p:cNvPr>
+          <p:cNvPicPr>
+            <a:picLocks noChangeAspect="1"/>
+          </p:cNvPicPr>
+          <p:nvPr/>
+        </p:nvPicPr>
+        <p:blipFill rotWithShape="1">
+          <a:blip r:embed="rId2">
+            <a:extLst>
+              <a:ext uri="{28A0092B-C50C-407E-A947-70E740481C1C}">
+                <a14:useLocalDpi xmlns:a14="http://schemas.microsoft.com/office/drawing/2010/main" val="0"/>
+              </a:ext>
+            </a:extLst>
+          </a:blip>
+          <a:srcRect l="21893"/>
+          <a:stretch/>
+        </p:blipFill>
+        <p:spPr>
+          <a:xfrm>
+            <a:off x="7919049" y="1825625"/>
+            <a:ext cx="4272951" cy="3951036"/>
+          </a:xfrm>
+          <a:prstGeom prst="rect">
+            <a:avLst/>
+          </a:prstGeom>
+        </p:spPr>
+      </p:pic>
+    </p:spTree>
+    <p:extLst>
+      <p:ext uri="{BB962C8B-B14F-4D97-AF65-F5344CB8AC3E}">
+        <p14:creationId xmlns:p14="http://schemas.microsoft.com/office/powerpoint/2010/main" val="1156346803"/>
+      </p:ext>
+    </p:extLst>
+  </p:cSld>
+  <p:clrMapOvr>
+    <a:masterClrMapping/>
+  </p:clrMapOvr>
+</p:sld>
+</file>
+
+<file path=ppt/slides/slide11.xml><?xml version="1.0" encoding="utf-8"?>
 <p:sld xmlns:a="http://schemas.openxmlformats.org/drawingml/2006/main" xmlns:r="http://schemas.openxmlformats.org/officeDocument/2006/relationships" xmlns:p="http://schemas.openxmlformats.org/presentationml/2006/main">
   <p:cSld>
     <p:spTree>
@@ -4737,7 +4950,7 @@
 </p:sld>
 </file>
 
-<file path=ppt/slides/slide11.xml><?xml version="1.0" encoding="utf-8"?>
+<file path=ppt/slides/slide12.xml><?xml version="1.0" encoding="utf-8"?>
 <p:sld xmlns:a="http://schemas.openxmlformats.org/drawingml/2006/main" xmlns:r="http://schemas.openxmlformats.org/officeDocument/2006/relationships" xmlns:p="http://schemas.openxmlformats.org/presentationml/2006/main">
   <p:cSld>
     <p:spTree>
@@ -5643,7 +5856,7 @@
 </p:sld>
 </file>
 
-<file path=ppt/slides/slide12.xml><?xml version="1.0" encoding="utf-8"?>
+<file path=ppt/slides/slide13.xml><?xml version="1.0" encoding="utf-8"?>
 <p:sld xmlns:a="http://schemas.openxmlformats.org/drawingml/2006/main" xmlns:r="http://schemas.openxmlformats.org/officeDocument/2006/relationships" xmlns:p="http://schemas.openxmlformats.org/presentationml/2006/main">
   <p:cSld>
     <p:spTree>
@@ -5729,7 +5942,7 @@
 </p:sld>
 </file>
 
-<file path=ppt/slides/slide13.xml><?xml version="1.0" encoding="utf-8"?>
+<file path=ppt/slides/slide14.xml><?xml version="1.0" encoding="utf-8"?>
 <p:sld xmlns:a="http://schemas.openxmlformats.org/drawingml/2006/main" xmlns:r="http://schemas.openxmlformats.org/officeDocument/2006/relationships" xmlns:p="http://schemas.openxmlformats.org/presentationml/2006/main">
   <p:cSld>
     <p:spTree>
@@ -5925,7 +6138,7 @@
 </p:sld>
 </file>
 
-<file path=ppt/slides/slide14.xml><?xml version="1.0" encoding="utf-8"?>
+<file path=ppt/slides/slide15.xml><?xml version="1.0" encoding="utf-8"?>
 <p:sld xmlns:a="http://schemas.openxmlformats.org/drawingml/2006/main" xmlns:r="http://schemas.openxmlformats.org/officeDocument/2006/relationships" xmlns:p="http://schemas.openxmlformats.org/presentationml/2006/main">
   <p:cSld>
     <p:spTree>
@@ -6760,7 +6973,7 @@
 </p:sld>
 </file>
 
-<file path=ppt/slides/slide15.xml><?xml version="1.0" encoding="utf-8"?>
+<file path=ppt/slides/slide16.xml><?xml version="1.0" encoding="utf-8"?>
 <p:sld xmlns:a="http://schemas.openxmlformats.org/drawingml/2006/main" xmlns:r="http://schemas.openxmlformats.org/officeDocument/2006/relationships" xmlns:p="http://schemas.openxmlformats.org/presentationml/2006/main">
   <p:cSld>
     <p:spTree>
@@ -7442,7 +7655,7 @@
 </p:sld>
 </file>
 
-<file path=ppt/slides/slide16.xml><?xml version="1.0" encoding="utf-8"?>
+<file path=ppt/slides/slide17.xml><?xml version="1.0" encoding="utf-8"?>
 <p:sld xmlns:a="http://schemas.openxmlformats.org/drawingml/2006/main" xmlns:r="http://schemas.openxmlformats.org/officeDocument/2006/relationships" xmlns:p="http://schemas.openxmlformats.org/presentationml/2006/main">
   <p:cSld>
     <p:spTree>
@@ -8094,7 +8307,7 @@
 </p:sld>
 </file>
 
-<file path=ppt/slides/slide17.xml><?xml version="1.0" encoding="utf-8"?>
+<file path=ppt/slides/slide18.xml><?xml version="1.0" encoding="utf-8"?>
 <p:sld xmlns:a="http://schemas.openxmlformats.org/drawingml/2006/main" xmlns:r="http://schemas.openxmlformats.org/officeDocument/2006/relationships" xmlns:p="http://schemas.openxmlformats.org/presentationml/2006/main">
   <p:cSld>
     <p:spTree>
@@ -8497,7 +8710,7 @@
 </p:sld>
 </file>
 
-<file path=ppt/slides/slide18.xml><?xml version="1.0" encoding="utf-8"?>
+<file path=ppt/slides/slide19.xml><?xml version="1.0" encoding="utf-8"?>
 <p:sld xmlns:a="http://schemas.openxmlformats.org/drawingml/2006/main" xmlns:r="http://schemas.openxmlformats.org/officeDocument/2006/relationships" xmlns:p="http://schemas.openxmlformats.org/presentationml/2006/main">
   <p:cSld>
     <p:spTree>
@@ -8653,140 +8866,6 @@
 </p:sld>
 </file>
 
-<file path=ppt/slides/slide19.xml><?xml version="1.0" encoding="utf-8"?>
-<p:sld xmlns:a="http://schemas.openxmlformats.org/drawingml/2006/main" xmlns:r="http://schemas.openxmlformats.org/officeDocument/2006/relationships" xmlns:p="http://schemas.openxmlformats.org/presentationml/2006/main">
-  <p:cSld>
-    <p:spTree>
-      <p:nvGrpSpPr>
-        <p:cNvPr id="1" name=""/>
-        <p:cNvGrpSpPr/>
-        <p:nvPr/>
-      </p:nvGrpSpPr>
-      <p:grpSpPr>
-        <a:xfrm>
-          <a:off x="0" y="0"/>
-          <a:ext cx="0" cy="0"/>
-          <a:chOff x="0" y="0"/>
-          <a:chExt cx="0" cy="0"/>
-        </a:xfrm>
-      </p:grpSpPr>
-      <p:sp>
-        <p:nvSpPr>
-          <p:cNvPr id="3" name="Content Placeholder 2">
-            <a:extLst>
-              <a:ext uri="{FF2B5EF4-FFF2-40B4-BE49-F238E27FC236}">
-                <a16:creationId xmlns:a16="http://schemas.microsoft.com/office/drawing/2014/main" id="{B368684F-61AC-4EE1-9D23-01E72E932394}"/>
-              </a:ext>
-            </a:extLst>
-          </p:cNvPr>
-          <p:cNvSpPr>
-            <a:spLocks noGrp="1"/>
-          </p:cNvSpPr>
-          <p:nvPr>
-            <p:ph idx="1"/>
-          </p:nvPr>
-        </p:nvSpPr>
-        <p:spPr>
-          <a:xfrm>
-            <a:off x="838200" y="1466491"/>
-            <a:ext cx="5364192" cy="5026384"/>
-          </a:xfrm>
-        </p:spPr>
-        <p:txBody>
-          <a:bodyPr>
-            <a:normAutofit/>
-          </a:bodyPr>
-          <a:lstStyle/>
-          <a:p>
-            <a:r>
-              <a:rPr lang="en-US" dirty="0"/>
-              <a:t>Now we introduce another way penalty can decrease: dismissal. </a:t>
-            </a:r>
-          </a:p>
-          <a:p>
-            <a:r>
-              <a:rPr lang="en-US" dirty="0"/>
-              <a:t>Penalty is instantly decreased within a timestep by “teleporting” the marker. </a:t>
-            </a:r>
-          </a:p>
-        </p:txBody>
-      </p:sp>
-      <p:pic>
-        <p:nvPicPr>
-          <p:cNvPr id="5" name="Picture 4">
-            <a:extLst>
-              <a:ext uri="{FF2B5EF4-FFF2-40B4-BE49-F238E27FC236}">
-                <a16:creationId xmlns:a16="http://schemas.microsoft.com/office/drawing/2014/main" id="{CD0C5C28-AA30-439C-A145-FD053DCAF2BB}"/>
-              </a:ext>
-            </a:extLst>
-          </p:cNvPr>
-          <p:cNvPicPr>
-            <a:picLocks noChangeAspect="1"/>
-          </p:cNvPicPr>
-          <p:nvPr/>
-        </p:nvPicPr>
-        <p:blipFill>
-          <a:blip r:embed="rId2"/>
-          <a:stretch>
-            <a:fillRect/>
-          </a:stretch>
-        </p:blipFill>
-        <p:spPr>
-          <a:xfrm>
-            <a:off x="6426679" y="1322717"/>
-            <a:ext cx="5681932" cy="4971690"/>
-          </a:xfrm>
-          <a:prstGeom prst="rect">
-            <a:avLst/>
-          </a:prstGeom>
-        </p:spPr>
-      </p:pic>
-      <p:sp>
-        <p:nvSpPr>
-          <p:cNvPr id="8" name="Title 1">
-            <a:extLst>
-              <a:ext uri="{FF2B5EF4-FFF2-40B4-BE49-F238E27FC236}">
-                <a16:creationId xmlns:a16="http://schemas.microsoft.com/office/drawing/2014/main" id="{8C4D6CBF-E87B-44D5-B3DC-A6D25B1F7E1C}"/>
-              </a:ext>
-            </a:extLst>
-          </p:cNvPr>
-          <p:cNvSpPr>
-            <a:spLocks noGrp="1"/>
-          </p:cNvSpPr>
-          <p:nvPr>
-            <p:ph type="title"/>
-          </p:nvPr>
-        </p:nvSpPr>
-        <p:spPr>
-          <a:xfrm>
-            <a:off x="838200" y="296114"/>
-            <a:ext cx="10515600" cy="1325563"/>
-          </a:xfrm>
-        </p:spPr>
-        <p:txBody>
-          <a:bodyPr/>
-          <a:lstStyle/>
-          <a:p>
-            <a:r>
-              <a:rPr lang="en-US" dirty="0"/>
-              <a:t>Incur-redeem-dismiss</a:t>
-            </a:r>
-          </a:p>
-        </p:txBody>
-      </p:sp>
-    </p:spTree>
-    <p:extLst>
-      <p:ext uri="{BB962C8B-B14F-4D97-AF65-F5344CB8AC3E}">
-        <p14:creationId xmlns:p14="http://schemas.microsoft.com/office/powerpoint/2010/main" val="3718446536"/>
-      </p:ext>
-    </p:extLst>
-  </p:cSld>
-  <p:clrMapOvr>
-    <a:masterClrMapping/>
-  </p:clrMapOvr>
-</p:sld>
-</file>
-
 <file path=ppt/slides/slide2.xml><?xml version="1.0" encoding="utf-8"?>
 <p:sld xmlns:a="http://schemas.openxmlformats.org/drawingml/2006/main" xmlns:r="http://schemas.openxmlformats.org/officeDocument/2006/relationships" xmlns:p="http://schemas.openxmlformats.org/presentationml/2006/main">
   <p:cSld>
@@ -8872,6 +8951,140 @@
 </file>
 
 <file path=ppt/slides/slide20.xml><?xml version="1.0" encoding="utf-8"?>
+<p:sld xmlns:a="http://schemas.openxmlformats.org/drawingml/2006/main" xmlns:r="http://schemas.openxmlformats.org/officeDocument/2006/relationships" xmlns:p="http://schemas.openxmlformats.org/presentationml/2006/main">
+  <p:cSld>
+    <p:spTree>
+      <p:nvGrpSpPr>
+        <p:cNvPr id="1" name=""/>
+        <p:cNvGrpSpPr/>
+        <p:nvPr/>
+      </p:nvGrpSpPr>
+      <p:grpSpPr>
+        <a:xfrm>
+          <a:off x="0" y="0"/>
+          <a:ext cx="0" cy="0"/>
+          <a:chOff x="0" y="0"/>
+          <a:chExt cx="0" cy="0"/>
+        </a:xfrm>
+      </p:grpSpPr>
+      <p:sp>
+        <p:nvSpPr>
+          <p:cNvPr id="3" name="Content Placeholder 2">
+            <a:extLst>
+              <a:ext uri="{FF2B5EF4-FFF2-40B4-BE49-F238E27FC236}">
+                <a16:creationId xmlns:a16="http://schemas.microsoft.com/office/drawing/2014/main" id="{B368684F-61AC-4EE1-9D23-01E72E932394}"/>
+              </a:ext>
+            </a:extLst>
+          </p:cNvPr>
+          <p:cNvSpPr>
+            <a:spLocks noGrp="1"/>
+          </p:cNvSpPr>
+          <p:nvPr>
+            <p:ph idx="1"/>
+          </p:nvPr>
+        </p:nvSpPr>
+        <p:spPr>
+          <a:xfrm>
+            <a:off x="838200" y="1466491"/>
+            <a:ext cx="5364192" cy="5026384"/>
+          </a:xfrm>
+        </p:spPr>
+        <p:txBody>
+          <a:bodyPr>
+            <a:normAutofit/>
+          </a:bodyPr>
+          <a:lstStyle/>
+          <a:p>
+            <a:r>
+              <a:rPr lang="en-US" dirty="0"/>
+              <a:t>Now we introduce another way penalty can decrease: dismissal. </a:t>
+            </a:r>
+          </a:p>
+          <a:p>
+            <a:r>
+              <a:rPr lang="en-US" dirty="0"/>
+              <a:t>Penalty is instantly decreased within a timestep by displacing the marker. </a:t>
+            </a:r>
+          </a:p>
+        </p:txBody>
+      </p:sp>
+      <p:sp>
+        <p:nvSpPr>
+          <p:cNvPr id="8" name="Title 1">
+            <a:extLst>
+              <a:ext uri="{FF2B5EF4-FFF2-40B4-BE49-F238E27FC236}">
+                <a16:creationId xmlns:a16="http://schemas.microsoft.com/office/drawing/2014/main" id="{8C4D6CBF-E87B-44D5-B3DC-A6D25B1F7E1C}"/>
+              </a:ext>
+            </a:extLst>
+          </p:cNvPr>
+          <p:cNvSpPr>
+            <a:spLocks noGrp="1"/>
+          </p:cNvSpPr>
+          <p:nvPr>
+            <p:ph type="title"/>
+          </p:nvPr>
+        </p:nvSpPr>
+        <p:spPr>
+          <a:xfrm>
+            <a:off x="838200" y="296114"/>
+            <a:ext cx="10515600" cy="1325563"/>
+          </a:xfrm>
+        </p:spPr>
+        <p:txBody>
+          <a:bodyPr/>
+          <a:lstStyle/>
+          <a:p>
+            <a:r>
+              <a:rPr lang="en-US" dirty="0"/>
+              <a:t>Incur-redeem-dismiss</a:t>
+            </a:r>
+          </a:p>
+        </p:txBody>
+      </p:sp>
+      <p:pic>
+        <p:nvPicPr>
+          <p:cNvPr id="4" name="Picture 3">
+            <a:extLst>
+              <a:ext uri="{FF2B5EF4-FFF2-40B4-BE49-F238E27FC236}">
+                <a16:creationId xmlns:a16="http://schemas.microsoft.com/office/drawing/2014/main" id="{CF03F243-49BE-425E-9BB2-91A0648F7403}"/>
+              </a:ext>
+            </a:extLst>
+          </p:cNvPr>
+          <p:cNvPicPr>
+            <a:picLocks noChangeAspect="1"/>
+          </p:cNvPicPr>
+          <p:nvPr/>
+        </p:nvPicPr>
+        <p:blipFill>
+          <a:blip r:embed="rId2"/>
+          <a:stretch>
+            <a:fillRect/>
+          </a:stretch>
+        </p:blipFill>
+        <p:spPr>
+          <a:xfrm>
+            <a:off x="6798067" y="1335244"/>
+            <a:ext cx="5315986" cy="4651488"/>
+          </a:xfrm>
+          <a:prstGeom prst="rect">
+            <a:avLst/>
+          </a:prstGeom>
+        </p:spPr>
+      </p:pic>
+    </p:spTree>
+    <p:extLst>
+      <p:ext uri="{BB962C8B-B14F-4D97-AF65-F5344CB8AC3E}">
+        <p14:creationId xmlns:p14="http://schemas.microsoft.com/office/powerpoint/2010/main" val="3718446536"/>
+      </p:ext>
+    </p:extLst>
+  </p:cSld>
+  <p:clrMapOvr>
+    <a:masterClrMapping/>
+  </p:clrMapOvr>
+</p:sld>
+</file>
+
+<file path=ppt/slides/slide21.xml><?xml version="1.0" encoding="utf-8"?>
 <p:sld xmlns:a="http://schemas.openxmlformats.org/drawingml/2006/main" xmlns:r="http://schemas.openxmlformats.org/officeDocument/2006/relationships" xmlns:p="http://schemas.openxmlformats.org/presentationml/2006/main">
   <p:cSld>
     <p:spTree>
@@ -9259,10 +9472,10 @@
       </mc:AlternateContent>
       <p:pic>
         <p:nvPicPr>
-          <p:cNvPr id="5" name="Picture 4">
-            <a:extLst>
-              <a:ext uri="{FF2B5EF4-FFF2-40B4-BE49-F238E27FC236}">
-                <a16:creationId xmlns:a16="http://schemas.microsoft.com/office/drawing/2014/main" id="{CD0C5C28-AA30-439C-A145-FD053DCAF2BB}"/>
+          <p:cNvPr id="4" name="Picture 3">
+            <a:extLst>
+              <a:ext uri="{FF2B5EF4-FFF2-40B4-BE49-F238E27FC236}">
+                <a16:creationId xmlns:a16="http://schemas.microsoft.com/office/drawing/2014/main" id="{43E3CE63-DC96-4E7B-B9C8-A0328378D8F9}"/>
               </a:ext>
             </a:extLst>
           </p:cNvPr>
@@ -9272,15 +9485,15 @@
           <p:nvPr/>
         </p:nvPicPr>
         <p:blipFill>
-          <a:blip r:embed="rId3"/>
+          <a:blip r:embed="rId2"/>
           <a:stretch>
             <a:fillRect/>
           </a:stretch>
         </p:blipFill>
         <p:spPr>
           <a:xfrm>
-            <a:off x="6426679" y="1322717"/>
-            <a:ext cx="5681932" cy="4971690"/>
+            <a:off x="6798067" y="1335244"/>
+            <a:ext cx="5315986" cy="4651488"/>
           </a:xfrm>
           <a:prstGeom prst="rect">
             <a:avLst/>
@@ -9291,102 +9504,6 @@
     <p:extLst>
       <p:ext uri="{BB962C8B-B14F-4D97-AF65-F5344CB8AC3E}">
         <p14:creationId xmlns:p14="http://schemas.microsoft.com/office/powerpoint/2010/main" val="3672659347"/>
-      </p:ext>
-    </p:extLst>
-  </p:cSld>
-  <p:clrMapOvr>
-    <a:masterClrMapping/>
-  </p:clrMapOvr>
-</p:sld>
-</file>
-
-<file path=ppt/slides/slide21.xml><?xml version="1.0" encoding="utf-8"?>
-<p:sld xmlns:a="http://schemas.openxmlformats.org/drawingml/2006/main" xmlns:r="http://schemas.openxmlformats.org/officeDocument/2006/relationships" xmlns:p="http://schemas.openxmlformats.org/presentationml/2006/main">
-  <p:cSld>
-    <p:spTree>
-      <p:nvGrpSpPr>
-        <p:cNvPr id="1" name=""/>
-        <p:cNvGrpSpPr/>
-        <p:nvPr/>
-      </p:nvGrpSpPr>
-      <p:grpSpPr>
-        <a:xfrm>
-          <a:off x="0" y="0"/>
-          <a:ext cx="0" cy="0"/>
-          <a:chOff x="0" y="0"/>
-          <a:chExt cx="0" cy="0"/>
-        </a:xfrm>
-      </p:grpSpPr>
-      <p:sp>
-        <p:nvSpPr>
-          <p:cNvPr id="2" name="Title 1">
-            <a:extLst>
-              <a:ext uri="{FF2B5EF4-FFF2-40B4-BE49-F238E27FC236}">
-                <a16:creationId xmlns:a16="http://schemas.microsoft.com/office/drawing/2014/main" id="{E8F567DB-81A3-4D85-87EC-E984D241A0AC}"/>
-              </a:ext>
-            </a:extLst>
-          </p:cNvPr>
-          <p:cNvSpPr>
-            <a:spLocks noGrp="1"/>
-          </p:cNvSpPr>
-          <p:nvPr>
-            <p:ph type="title"/>
-          </p:nvPr>
-        </p:nvSpPr>
-        <p:spPr/>
-        <p:txBody>
-          <a:bodyPr/>
-          <a:lstStyle/>
-          <a:p>
-            <a:endParaRPr lang="en-US"/>
-          </a:p>
-        </p:txBody>
-      </p:sp>
-      <p:sp>
-        <p:nvSpPr>
-          <p:cNvPr id="3" name="Content Placeholder 2">
-            <a:extLst>
-              <a:ext uri="{FF2B5EF4-FFF2-40B4-BE49-F238E27FC236}">
-                <a16:creationId xmlns:a16="http://schemas.microsoft.com/office/drawing/2014/main" id="{90F59451-7ED9-4EE1-9D2A-A1B5416C3E2F}"/>
-              </a:ext>
-            </a:extLst>
-          </p:cNvPr>
-          <p:cNvSpPr>
-            <a:spLocks noGrp="1"/>
-          </p:cNvSpPr>
-          <p:nvPr>
-            <p:ph idx="1"/>
-          </p:nvPr>
-        </p:nvSpPr>
-        <p:spPr/>
-        <p:txBody>
-          <a:bodyPr/>
-          <a:lstStyle/>
-          <a:p>
-            <a:pPr marL="0" indent="0">
-              <a:buNone/>
-            </a:pPr>
-            <a:r>
-              <a:rPr lang="en-US" dirty="0" err="1"/>
-              <a:t>compare_droplet_size</a:t>
-            </a:r>
-            <a:endParaRPr lang="en-US" dirty="0"/>
-          </a:p>
-          <a:p>
-            <a:pPr marL="0" indent="0">
-              <a:buNone/>
-            </a:pPr>
-            <a:r>
-              <a:rPr lang="en-US" dirty="0"/>
-              <a:t>conv_drop_slide_3x3</a:t>
-            </a:r>
-          </a:p>
-        </p:txBody>
-      </p:sp>
-    </p:spTree>
-    <p:extLst>
-      <p:ext uri="{BB962C8B-B14F-4D97-AF65-F5344CB8AC3E}">
-        <p14:creationId xmlns:p14="http://schemas.microsoft.com/office/powerpoint/2010/main" val="2603166888"/>
       </p:ext>
     </p:extLst>
   </p:cSld>
@@ -9413,6 +9530,102 @@
           <a:chExt cx="0" cy="0"/>
         </a:xfrm>
       </p:grpSpPr>
+      <p:sp>
+        <p:nvSpPr>
+          <p:cNvPr id="2" name="Title 1">
+            <a:extLst>
+              <a:ext uri="{FF2B5EF4-FFF2-40B4-BE49-F238E27FC236}">
+                <a16:creationId xmlns:a16="http://schemas.microsoft.com/office/drawing/2014/main" id="{E8F567DB-81A3-4D85-87EC-E984D241A0AC}"/>
+              </a:ext>
+            </a:extLst>
+          </p:cNvPr>
+          <p:cNvSpPr>
+            <a:spLocks noGrp="1"/>
+          </p:cNvSpPr>
+          <p:nvPr>
+            <p:ph type="title"/>
+          </p:nvPr>
+        </p:nvSpPr>
+        <p:spPr/>
+        <p:txBody>
+          <a:bodyPr/>
+          <a:lstStyle/>
+          <a:p>
+            <a:endParaRPr lang="en-US"/>
+          </a:p>
+        </p:txBody>
+      </p:sp>
+      <p:sp>
+        <p:nvSpPr>
+          <p:cNvPr id="3" name="Content Placeholder 2">
+            <a:extLst>
+              <a:ext uri="{FF2B5EF4-FFF2-40B4-BE49-F238E27FC236}">
+                <a16:creationId xmlns:a16="http://schemas.microsoft.com/office/drawing/2014/main" id="{90F59451-7ED9-4EE1-9D2A-A1B5416C3E2F}"/>
+              </a:ext>
+            </a:extLst>
+          </p:cNvPr>
+          <p:cNvSpPr>
+            <a:spLocks noGrp="1"/>
+          </p:cNvSpPr>
+          <p:nvPr>
+            <p:ph idx="1"/>
+          </p:nvPr>
+        </p:nvSpPr>
+        <p:spPr/>
+        <p:txBody>
+          <a:bodyPr/>
+          <a:lstStyle/>
+          <a:p>
+            <a:pPr marL="0" indent="0">
+              <a:buNone/>
+            </a:pPr>
+            <a:r>
+              <a:rPr lang="en-US" dirty="0" err="1"/>
+              <a:t>compare_droplet_size</a:t>
+            </a:r>
+            <a:endParaRPr lang="en-US" dirty="0"/>
+          </a:p>
+          <a:p>
+            <a:pPr marL="0" indent="0">
+              <a:buNone/>
+            </a:pPr>
+            <a:r>
+              <a:rPr lang="en-US" dirty="0"/>
+              <a:t>conv_drop_slide_3x3</a:t>
+            </a:r>
+          </a:p>
+        </p:txBody>
+      </p:sp>
+    </p:spTree>
+    <p:extLst>
+      <p:ext uri="{BB962C8B-B14F-4D97-AF65-F5344CB8AC3E}">
+        <p14:creationId xmlns:p14="http://schemas.microsoft.com/office/powerpoint/2010/main" val="2603166888"/>
+      </p:ext>
+    </p:extLst>
+  </p:cSld>
+  <p:clrMapOvr>
+    <a:masterClrMapping/>
+  </p:clrMapOvr>
+</p:sld>
+</file>
+
+<file path=ppt/slides/slide23.xml><?xml version="1.0" encoding="utf-8"?>
+<p:sld xmlns:a="http://schemas.openxmlformats.org/drawingml/2006/main" xmlns:r="http://schemas.openxmlformats.org/officeDocument/2006/relationships" xmlns:p="http://schemas.openxmlformats.org/presentationml/2006/main">
+  <p:cSld>
+    <p:spTree>
+      <p:nvGrpSpPr>
+        <p:cNvPr id="1" name=""/>
+        <p:cNvGrpSpPr/>
+        <p:nvPr/>
+      </p:nvGrpSpPr>
+      <p:grpSpPr>
+        <a:xfrm>
+          <a:off x="0" y="0"/>
+          <a:ext cx="0" cy="0"/>
+          <a:chOff x="0" y="0"/>
+          <a:chExt cx="0" cy="0"/>
+        </a:xfrm>
+      </p:grpSpPr>
       <p:pic>
         <p:nvPicPr>
           <p:cNvPr id="5" name="Content Placeholder 4">
@@ -9494,7 +9707,7 @@
 </p:sld>
 </file>
 
-<file path=ppt/slides/slide23.xml><?xml version="1.0" encoding="utf-8"?>
+<file path=ppt/slides/slide24.xml><?xml version="1.0" encoding="utf-8"?>
 <p:sld xmlns:a="http://schemas.openxmlformats.org/drawingml/2006/main" xmlns:r="http://schemas.openxmlformats.org/officeDocument/2006/relationships" xmlns:p="http://schemas.openxmlformats.org/presentationml/2006/main">
   <p:cSld>
     <p:spTree>
@@ -9664,7 +9877,7 @@
 </p:sld>
 </file>
 
-<file path=ppt/slides/slide24.xml><?xml version="1.0" encoding="utf-8"?>
+<file path=ppt/slides/slide25.xml><?xml version="1.0" encoding="utf-8"?>
 <p:sld xmlns:a="http://schemas.openxmlformats.org/drawingml/2006/main" xmlns:r="http://schemas.openxmlformats.org/officeDocument/2006/relationships" xmlns:p="http://schemas.openxmlformats.org/presentationml/2006/main">
   <p:cSld>
     <p:spTree>
@@ -9686,109 +9899,7 @@
           <p:cNvPr id="2" name="Title 1">
             <a:extLst>
               <a:ext uri="{FF2B5EF4-FFF2-40B4-BE49-F238E27FC236}">
-                <a16:creationId xmlns:a16="http://schemas.microsoft.com/office/drawing/2014/main" id="{7B842E10-7CA8-4142-ACAF-A3FB1A88B425}"/>
-              </a:ext>
-            </a:extLst>
-          </p:cNvPr>
-          <p:cNvSpPr>
-            <a:spLocks noGrp="1"/>
-          </p:cNvSpPr>
-          <p:nvPr>
-            <p:ph type="title"/>
-          </p:nvPr>
-        </p:nvSpPr>
-        <p:spPr>
-          <a:xfrm>
-            <a:off x="838200" y="296114"/>
-            <a:ext cx="10515600" cy="1325563"/>
-          </a:xfrm>
-        </p:spPr>
-        <p:txBody>
-          <a:bodyPr/>
-          <a:lstStyle/>
-          <a:p>
-            <a:r>
-              <a:rPr lang="en-US" dirty="0"/>
-              <a:t>Problems with dynamic slipping</a:t>
-            </a:r>
-          </a:p>
-        </p:txBody>
-      </p:sp>
-      <p:sp>
-        <p:nvSpPr>
-          <p:cNvPr id="3" name="Content Placeholder 2">
-            <a:extLst>
-              <a:ext uri="{FF2B5EF4-FFF2-40B4-BE49-F238E27FC236}">
-                <a16:creationId xmlns:a16="http://schemas.microsoft.com/office/drawing/2014/main" id="{B368684F-61AC-4EE1-9D23-01E72E932394}"/>
-              </a:ext>
-            </a:extLst>
-          </p:cNvPr>
-          <p:cNvSpPr>
-            <a:spLocks noGrp="1"/>
-          </p:cNvSpPr>
-          <p:nvPr>
-            <p:ph idx="1"/>
-          </p:nvPr>
-        </p:nvSpPr>
-        <p:spPr>
-          <a:xfrm>
-            <a:off x="838200" y="1466491"/>
-            <a:ext cx="5364192" cy="5026384"/>
-          </a:xfrm>
-        </p:spPr>
-        <p:txBody>
-          <a:bodyPr>
-            <a:normAutofit/>
-          </a:bodyPr>
-          <a:lstStyle/>
-          <a:p>
-            <a:r>
-              <a:rPr lang="en-US"/>
-              <a:t>Volume </a:t>
-            </a:r>
-            <a:r>
-              <a:rPr lang="en-US" dirty="0"/>
-              <a:t>conservation</a:t>
-            </a:r>
-          </a:p>
-        </p:txBody>
-      </p:sp>
-    </p:spTree>
-    <p:extLst>
-      <p:ext uri="{BB962C8B-B14F-4D97-AF65-F5344CB8AC3E}">
-        <p14:creationId xmlns:p14="http://schemas.microsoft.com/office/powerpoint/2010/main" val="587373888"/>
-      </p:ext>
-    </p:extLst>
-  </p:cSld>
-  <p:clrMapOvr>
-    <a:masterClrMapping/>
-  </p:clrMapOvr>
-</p:sld>
-</file>
-
-<file path=ppt/slides/slide25.xml><?xml version="1.0" encoding="utf-8"?>
-<p:sld xmlns:a="http://schemas.openxmlformats.org/drawingml/2006/main" xmlns:r="http://schemas.openxmlformats.org/officeDocument/2006/relationships" xmlns:p="http://schemas.openxmlformats.org/presentationml/2006/main">
-  <p:cSld>
-    <p:spTree>
-      <p:nvGrpSpPr>
-        <p:cNvPr id="1" name=""/>
-        <p:cNvGrpSpPr/>
-        <p:nvPr/>
-      </p:nvGrpSpPr>
-      <p:grpSpPr>
-        <a:xfrm>
-          <a:off x="0" y="0"/>
-          <a:ext cx="0" cy="0"/>
-          <a:chOff x="0" y="0"/>
-          <a:chExt cx="0" cy="0"/>
-        </a:xfrm>
-      </p:grpSpPr>
-      <p:sp>
-        <p:nvSpPr>
-          <p:cNvPr id="4" name="Title 3">
-            <a:extLst>
-              <a:ext uri="{FF2B5EF4-FFF2-40B4-BE49-F238E27FC236}">
-                <a16:creationId xmlns:a16="http://schemas.microsoft.com/office/drawing/2014/main" id="{720528D7-186C-443B-99C6-8C2E6AD16B60}"/>
+                <a16:creationId xmlns:a16="http://schemas.microsoft.com/office/drawing/2014/main" id="{CB8D84F0-9BA0-47D4-9C6F-4A3D2FDBA8BE}"/>
               </a:ext>
             </a:extLst>
           </p:cNvPr>
@@ -9804,19 +9915,16 @@
           <a:bodyPr/>
           <a:lstStyle/>
           <a:p>
-            <a:r>
-              <a:rPr lang="en-US" dirty="0"/>
-              <a:t>Step-wise Interface Resampling</a:t>
-            </a:r>
+            <a:endParaRPr lang="en-US"/>
           </a:p>
         </p:txBody>
       </p:sp>
       <p:sp>
         <p:nvSpPr>
-          <p:cNvPr id="5" name="Text Placeholder 4">
-            <a:extLst>
-              <a:ext uri="{FF2B5EF4-FFF2-40B4-BE49-F238E27FC236}">
-                <a16:creationId xmlns:a16="http://schemas.microsoft.com/office/drawing/2014/main" id="{0DDFEE9C-0E7A-4372-9693-2E5462BF9B05}"/>
+          <p:cNvPr id="3" name="Content Placeholder 2">
+            <a:extLst>
+              <a:ext uri="{FF2B5EF4-FFF2-40B4-BE49-F238E27FC236}">
+                <a16:creationId xmlns:a16="http://schemas.microsoft.com/office/drawing/2014/main" id="{7737A7EB-BB0A-4EF3-9B6D-040A4F58FC30}"/>
               </a:ext>
             </a:extLst>
           </p:cNvPr>
@@ -9824,7 +9932,7 @@
             <a:spLocks noGrp="1"/>
           </p:cNvSpPr>
           <p:nvPr>
-            <p:ph type="body" idx="1"/>
+            <p:ph idx="1"/>
           </p:nvPr>
         </p:nvSpPr>
         <p:spPr/>
@@ -9839,7 +9947,7 @@
     </p:spTree>
     <p:extLst>
       <p:ext uri="{BB962C8B-B14F-4D97-AF65-F5344CB8AC3E}">
-        <p14:creationId xmlns:p14="http://schemas.microsoft.com/office/powerpoint/2010/main" val="3400134959"/>
+        <p14:creationId xmlns:p14="http://schemas.microsoft.com/office/powerpoint/2010/main" val="1879167963"/>
       </p:ext>
     </p:extLst>
   </p:cSld>
@@ -9868,6 +9976,89 @@
       </p:grpSpPr>
       <p:sp>
         <p:nvSpPr>
+          <p:cNvPr id="4" name="Title 3">
+            <a:extLst>
+              <a:ext uri="{FF2B5EF4-FFF2-40B4-BE49-F238E27FC236}">
+                <a16:creationId xmlns:a16="http://schemas.microsoft.com/office/drawing/2014/main" id="{720528D7-186C-443B-99C6-8C2E6AD16B60}"/>
+              </a:ext>
+            </a:extLst>
+          </p:cNvPr>
+          <p:cNvSpPr>
+            <a:spLocks noGrp="1"/>
+          </p:cNvSpPr>
+          <p:nvPr>
+            <p:ph type="title"/>
+          </p:nvPr>
+        </p:nvSpPr>
+        <p:spPr/>
+        <p:txBody>
+          <a:bodyPr/>
+          <a:lstStyle/>
+          <a:p>
+            <a:r>
+              <a:rPr lang="en-US" dirty="0"/>
+              <a:t>Step-wise Interface Resampling</a:t>
+            </a:r>
+          </a:p>
+        </p:txBody>
+      </p:sp>
+      <p:sp>
+        <p:nvSpPr>
+          <p:cNvPr id="5" name="Text Placeholder 4">
+            <a:extLst>
+              <a:ext uri="{FF2B5EF4-FFF2-40B4-BE49-F238E27FC236}">
+                <a16:creationId xmlns:a16="http://schemas.microsoft.com/office/drawing/2014/main" id="{0DDFEE9C-0E7A-4372-9693-2E5462BF9B05}"/>
+              </a:ext>
+            </a:extLst>
+          </p:cNvPr>
+          <p:cNvSpPr>
+            <a:spLocks noGrp="1"/>
+          </p:cNvSpPr>
+          <p:nvPr>
+            <p:ph type="body" idx="1"/>
+          </p:nvPr>
+        </p:nvSpPr>
+        <p:spPr/>
+        <p:txBody>
+          <a:bodyPr/>
+          <a:lstStyle/>
+          <a:p>
+            <a:endParaRPr lang="en-US" dirty="0"/>
+          </a:p>
+        </p:txBody>
+      </p:sp>
+    </p:spTree>
+    <p:extLst>
+      <p:ext uri="{BB962C8B-B14F-4D97-AF65-F5344CB8AC3E}">
+        <p14:creationId xmlns:p14="http://schemas.microsoft.com/office/powerpoint/2010/main" val="3400134959"/>
+      </p:ext>
+    </p:extLst>
+  </p:cSld>
+  <p:clrMapOvr>
+    <a:masterClrMapping/>
+  </p:clrMapOvr>
+</p:sld>
+</file>
+
+<file path=ppt/slides/slide27.xml><?xml version="1.0" encoding="utf-8"?>
+<p:sld xmlns:a="http://schemas.openxmlformats.org/drawingml/2006/main" xmlns:r="http://schemas.openxmlformats.org/officeDocument/2006/relationships" xmlns:p="http://schemas.openxmlformats.org/presentationml/2006/main">
+  <p:cSld>
+    <p:spTree>
+      <p:nvGrpSpPr>
+        <p:cNvPr id="1" name=""/>
+        <p:cNvGrpSpPr/>
+        <p:nvPr/>
+      </p:nvGrpSpPr>
+      <p:grpSpPr>
+        <a:xfrm>
+          <a:off x="0" y="0"/>
+          <a:ext cx="0" cy="0"/>
+          <a:chOff x="0" y="0"/>
+          <a:chExt cx="0" cy="0"/>
+        </a:xfrm>
+      </p:grpSpPr>
+      <p:sp>
+        <p:nvSpPr>
           <p:cNvPr id="2" name="Title 1">
             <a:extLst>
               <a:ext uri="{FF2B5EF4-FFF2-40B4-BE49-F238E27FC236}">
@@ -9931,7 +10122,7 @@
           <a:p>
             <a:r>
               <a:rPr lang="en-US" dirty="0"/>
-              <a:t>Surface tension is always normal to the interface</a:t>
+              <a:t>Surface tension is always normal to the interface.</a:t>
             </a:r>
           </a:p>
           <a:p>
@@ -9992,7 +10183,7 @@
 </p:sld>
 </file>
 
-<file path=ppt/slides/slide27.xml><?xml version="1.0" encoding="utf-8"?>
+<file path=ppt/slides/slide28.xml><?xml version="1.0" encoding="utf-8"?>
 <p:sld xmlns:a="http://schemas.openxmlformats.org/drawingml/2006/main" xmlns:r="http://schemas.openxmlformats.org/officeDocument/2006/relationships" xmlns:p="http://schemas.openxmlformats.org/presentationml/2006/main">
   <p:cSld>
     <p:spTree>
@@ -10080,90 +10271,6 @@
 </p:sld>
 </file>
 
-<file path=ppt/slides/slide28.xml><?xml version="1.0" encoding="utf-8"?>
-<p:sld xmlns:a="http://schemas.openxmlformats.org/drawingml/2006/main" xmlns:r="http://schemas.openxmlformats.org/officeDocument/2006/relationships" xmlns:p="http://schemas.openxmlformats.org/presentationml/2006/main">
-  <p:cSld>
-    <p:spTree>
-      <p:nvGrpSpPr>
-        <p:cNvPr id="1" name=""/>
-        <p:cNvGrpSpPr/>
-        <p:nvPr/>
-      </p:nvGrpSpPr>
-      <p:grpSpPr>
-        <a:xfrm>
-          <a:off x="0" y="0"/>
-          <a:ext cx="0" cy="0"/>
-          <a:chOff x="0" y="0"/>
-          <a:chExt cx="0" cy="0"/>
-        </a:xfrm>
-      </p:grpSpPr>
-      <p:sp>
-        <p:nvSpPr>
-          <p:cNvPr id="2" name="Title 1">
-            <a:extLst>
-              <a:ext uri="{FF2B5EF4-FFF2-40B4-BE49-F238E27FC236}">
-                <a16:creationId xmlns:a16="http://schemas.microsoft.com/office/drawing/2014/main" id="{F926B17D-25B2-443E-ACD9-E9324A816465}"/>
-              </a:ext>
-            </a:extLst>
-          </p:cNvPr>
-          <p:cNvSpPr>
-            <a:spLocks noGrp="1"/>
-          </p:cNvSpPr>
-          <p:nvPr>
-            <p:ph type="title"/>
-          </p:nvPr>
-        </p:nvSpPr>
-        <p:spPr/>
-        <p:txBody>
-          <a:bodyPr/>
-          <a:lstStyle/>
-          <a:p>
-            <a:endParaRPr lang="en-US"/>
-          </a:p>
-        </p:txBody>
-      </p:sp>
-      <p:sp>
-        <p:nvSpPr>
-          <p:cNvPr id="3" name="Content Placeholder 2">
-            <a:extLst>
-              <a:ext uri="{FF2B5EF4-FFF2-40B4-BE49-F238E27FC236}">
-                <a16:creationId xmlns:a16="http://schemas.microsoft.com/office/drawing/2014/main" id="{312B019B-5297-4A9B-BAC9-8591F34632D7}"/>
-              </a:ext>
-            </a:extLst>
-          </p:cNvPr>
-          <p:cNvSpPr>
-            <a:spLocks noGrp="1"/>
-          </p:cNvSpPr>
-          <p:nvPr>
-            <p:ph idx="1"/>
-          </p:nvPr>
-        </p:nvSpPr>
-        <p:spPr/>
-        <p:txBody>
-          <a:bodyPr/>
-          <a:lstStyle/>
-          <a:p>
-            <a:r>
-              <a:rPr lang="en-US" dirty="0" err="1"/>
-              <a:t>compare_resample</a:t>
-            </a:r>
-            <a:endParaRPr lang="en-US" dirty="0"/>
-          </a:p>
-        </p:txBody>
-      </p:sp>
-    </p:spTree>
-    <p:extLst>
-      <p:ext uri="{BB962C8B-B14F-4D97-AF65-F5344CB8AC3E}">
-        <p14:creationId xmlns:p14="http://schemas.microsoft.com/office/powerpoint/2010/main" val="119153959"/>
-      </p:ext>
-    </p:extLst>
-  </p:cSld>
-  <p:clrMapOvr>
-    <a:masterClrMapping/>
-  </p:clrMapOvr>
-</p:sld>
-</file>
-
 <file path=ppt/slides/slide29.xml><?xml version="1.0" encoding="utf-8"?>
 <p:sld xmlns:a="http://schemas.openxmlformats.org/drawingml/2006/main" xmlns:r="http://schemas.openxmlformats.org/officeDocument/2006/relationships" xmlns:p="http://schemas.openxmlformats.org/presentationml/2006/main">
   <p:cSld>
@@ -10186,7 +10293,7 @@
           <p:cNvPr id="2" name="Title 1">
             <a:extLst>
               <a:ext uri="{FF2B5EF4-FFF2-40B4-BE49-F238E27FC236}">
-                <a16:creationId xmlns:a16="http://schemas.microsoft.com/office/drawing/2014/main" id="{23937901-91C3-4111-8156-97DF227D1622}"/>
+                <a16:creationId xmlns:a16="http://schemas.microsoft.com/office/drawing/2014/main" id="{F926B17D-25B2-443E-ACD9-E9324A816465}"/>
               </a:ext>
             </a:extLst>
           </p:cNvPr>
@@ -10202,10 +10309,7 @@
           <a:bodyPr/>
           <a:lstStyle/>
           <a:p>
-            <a:r>
-              <a:rPr lang="en-US" dirty="0"/>
-              <a:t>Limitations</a:t>
-            </a:r>
+            <a:endParaRPr lang="en-US"/>
           </a:p>
         </p:txBody>
       </p:sp>
@@ -10214,7 +10318,7 @@
           <p:cNvPr id="3" name="Content Placeholder 2">
             <a:extLst>
               <a:ext uri="{FF2B5EF4-FFF2-40B4-BE49-F238E27FC236}">
-                <a16:creationId xmlns:a16="http://schemas.microsoft.com/office/drawing/2014/main" id="{87FC6EE0-5AA1-451D-B5D6-1067030028E7}"/>
+                <a16:creationId xmlns:a16="http://schemas.microsoft.com/office/drawing/2014/main" id="{312B019B-5297-4A9B-BAC9-8591F34632D7}"/>
               </a:ext>
             </a:extLst>
           </p:cNvPr>
@@ -10225,35 +10329,23 @@
             <p:ph idx="1"/>
           </p:nvPr>
         </p:nvSpPr>
-        <p:spPr>
-          <a:xfrm>
-            <a:off x="838200" y="1825624"/>
-            <a:ext cx="10515600" cy="2159779"/>
-          </a:xfrm>
-        </p:spPr>
+        <p:spPr/>
         <p:txBody>
-          <a:bodyPr>
-            <a:normAutofit/>
-          </a:bodyPr>
+          <a:bodyPr/>
           <a:lstStyle/>
           <a:p>
             <a:r>
-              <a:rPr lang="en-US" dirty="0"/>
-              <a:t>3D equivalence is much more complicated</a:t>
-            </a:r>
-          </a:p>
-          <a:p>
-            <a:r>
-              <a:rPr lang="en-US" dirty="0"/>
-              <a:t>Area conservation problem</a:t>
-            </a:r>
+              <a:rPr lang="en-US" dirty="0" err="1"/>
+              <a:t>compare_resample</a:t>
+            </a:r>
+            <a:endParaRPr lang="en-US" dirty="0"/>
           </a:p>
         </p:txBody>
       </p:sp>
     </p:spTree>
     <p:extLst>
       <p:ext uri="{BB962C8B-B14F-4D97-AF65-F5344CB8AC3E}">
-        <p14:creationId xmlns:p14="http://schemas.microsoft.com/office/powerpoint/2010/main" val="2134592938"/>
+        <p14:creationId xmlns:p14="http://schemas.microsoft.com/office/powerpoint/2010/main" val="119153959"/>
       </p:ext>
     </p:extLst>
   </p:cSld>
@@ -10285,7 +10377,7 @@
           <p:cNvPr id="2" name="Title 1">
             <a:extLst>
               <a:ext uri="{FF2B5EF4-FFF2-40B4-BE49-F238E27FC236}">
-                <a16:creationId xmlns:a16="http://schemas.microsoft.com/office/drawing/2014/main" id="{D81AC684-7B3C-4D0A-9361-7931B0C21D93}"/>
+                <a16:creationId xmlns:a16="http://schemas.microsoft.com/office/drawing/2014/main" id="{F5FC2645-A147-4799-9E22-2F61BE54990E}"/>
               </a:ext>
             </a:extLst>
           </p:cNvPr>
@@ -10313,7 +10405,7 @@
           <p:cNvPr id="3" name="Content Placeholder 2">
             <a:extLst>
               <a:ext uri="{FF2B5EF4-FFF2-40B4-BE49-F238E27FC236}">
-                <a16:creationId xmlns:a16="http://schemas.microsoft.com/office/drawing/2014/main" id="{4FBAC7A9-F14D-4C3D-AE3C-5067A2E9AC85}"/>
+                <a16:creationId xmlns:a16="http://schemas.microsoft.com/office/drawing/2014/main" id="{DDEBBD96-F400-4B81-803B-F2471FE5604C}"/>
               </a:ext>
             </a:extLst>
           </p:cNvPr>
@@ -10326,8 +10418,8 @@
         </p:nvSpPr>
         <p:spPr>
           <a:xfrm>
-            <a:off x="838200" y="1825625"/>
-            <a:ext cx="6985958" cy="4764956"/>
+            <a:off x="838200" y="4043091"/>
+            <a:ext cx="10515600" cy="2314575"/>
           </a:xfrm>
         </p:spPr>
         <p:txBody>
@@ -10336,73 +10428,17 @@
           <a:p>
             <a:r>
               <a:rPr lang="en-US" dirty="0"/>
-              <a:t>Immersed Boundary Method</a:t>
-            </a:r>
-          </a:p>
-          <a:p>
-            <a:r>
-              <a:rPr lang="en-US" b="1" dirty="0"/>
-              <a:t>Wall</a:t>
-            </a:r>
-            <a:r>
-              <a:rPr lang="en-US" dirty="0"/>
-              <a:t>: The solid surface, no-flux. </a:t>
-            </a:r>
-          </a:p>
-          <a:p>
-            <a:r>
-              <a:rPr lang="en-US" b="1" dirty="0"/>
-              <a:t>Interface</a:t>
-            </a:r>
-            <a:r>
-              <a:rPr lang="en-US" dirty="0"/>
-              <a:t>: the liquid-gas interface. </a:t>
-            </a:r>
-          </a:p>
-          <a:p>
-            <a:r>
-              <a:rPr lang="en-US" dirty="0"/>
-              <a:t>Variable density [Kim, Peskin. 2007]</a:t>
-            </a:r>
-          </a:p>
-          <a:p>
-            <a:endParaRPr lang="en-US" dirty="0"/>
-          </a:p>
-          <a:p>
-            <a:pPr marL="0" indent="0">
-              <a:buNone/>
-            </a:pPr>
-            <a:r>
-              <a:rPr lang="en-US" dirty="0"/>
-              <a:t>Techniques we propose:</a:t>
-            </a:r>
-          </a:p>
-          <a:p>
-            <a:r>
-              <a:rPr lang="en-US" b="1" dirty="0"/>
-              <a:t>Dynamic slipping</a:t>
-            </a:r>
-          </a:p>
-          <a:p>
-            <a:r>
-              <a:rPr lang="en-US" b="1" dirty="0"/>
-              <a:t>Interface resampling</a:t>
-            </a:r>
-          </a:p>
-          <a:p>
-            <a:r>
-              <a:rPr lang="en-US" b="1" dirty="0"/>
-              <a:t>Interface splicing</a:t>
+              <a:t>We focus on modelling the external forces with Immersed Boundary Method. </a:t>
             </a:r>
           </a:p>
         </p:txBody>
       </p:sp>
       <p:pic>
         <p:nvPicPr>
-          <p:cNvPr id="5" name="Picture 4">
-            <a:extLst>
-              <a:ext uri="{FF2B5EF4-FFF2-40B4-BE49-F238E27FC236}">
-                <a16:creationId xmlns:a16="http://schemas.microsoft.com/office/drawing/2014/main" id="{52AC5FAC-FC05-4905-BBF3-050694C14FB6}"/>
+          <p:cNvPr id="7" name="Picture 6">
+            <a:extLst>
+              <a:ext uri="{FF2B5EF4-FFF2-40B4-BE49-F238E27FC236}">
+                <a16:creationId xmlns:a16="http://schemas.microsoft.com/office/drawing/2014/main" id="{462D37FE-FBAE-4C6D-B1B4-15FF70D2531C}"/>
               </a:ext>
             </a:extLst>
           </p:cNvPr>
@@ -10419,18 +10455,66 @@
         </p:blipFill>
         <p:spPr>
           <a:xfrm>
-            <a:off x="8342104" y="606593"/>
-            <a:ext cx="2751466" cy="5570370"/>
+            <a:off x="3533775" y="1686719"/>
+            <a:ext cx="5124450" cy="2314575"/>
           </a:xfrm>
           <a:prstGeom prst="rect">
             <a:avLst/>
           </a:prstGeom>
         </p:spPr>
       </p:pic>
+      <p:sp>
+        <p:nvSpPr>
+          <p:cNvPr id="8" name="Oval 7">
+            <a:extLst>
+              <a:ext uri="{FF2B5EF4-FFF2-40B4-BE49-F238E27FC236}">
+                <a16:creationId xmlns:a16="http://schemas.microsoft.com/office/drawing/2014/main" id="{2CB38842-95F2-4799-A2DD-94AD532AB1F5}"/>
+              </a:ext>
+            </a:extLst>
+          </p:cNvPr>
+          <p:cNvSpPr/>
+          <p:nvPr/>
+        </p:nvSpPr>
+        <p:spPr>
+          <a:xfrm>
+            <a:off x="7717947" y="2915729"/>
+            <a:ext cx="770446" cy="862642"/>
+          </a:xfrm>
+          <a:prstGeom prst="ellipse">
+            <a:avLst/>
+          </a:prstGeom>
+          <a:noFill/>
+          <a:ln w="57150"/>
+        </p:spPr>
+        <p:style>
+          <a:lnRef idx="2">
+            <a:schemeClr val="accent1">
+              <a:shade val="50000"/>
+            </a:schemeClr>
+          </a:lnRef>
+          <a:fillRef idx="1">
+            <a:schemeClr val="accent1"/>
+          </a:fillRef>
+          <a:effectRef idx="0">
+            <a:schemeClr val="accent1"/>
+          </a:effectRef>
+          <a:fontRef idx="minor">
+            <a:schemeClr val="lt1"/>
+          </a:fontRef>
+        </p:style>
+        <p:txBody>
+          <a:bodyPr rtlCol="0" anchor="ctr"/>
+          <a:lstStyle/>
+          <a:p>
+            <a:pPr algn="ctr"/>
+            <a:endParaRPr lang="en-US"/>
+          </a:p>
+        </p:txBody>
+      </p:sp>
     </p:spTree>
     <p:extLst>
       <p:ext uri="{BB962C8B-B14F-4D97-AF65-F5344CB8AC3E}">
-        <p14:creationId xmlns:p14="http://schemas.microsoft.com/office/powerpoint/2010/main" val="4233382144"/>
+        <p14:creationId xmlns:p14="http://schemas.microsoft.com/office/powerpoint/2010/main" val="2132343966"/>
       </p:ext>
     </p:extLst>
   </p:cSld>
@@ -10462,7 +10546,7 @@
           <p:cNvPr id="2" name="Title 1">
             <a:extLst>
               <a:ext uri="{FF2B5EF4-FFF2-40B4-BE49-F238E27FC236}">
-                <a16:creationId xmlns:a16="http://schemas.microsoft.com/office/drawing/2014/main" id="{9C1BA14A-1CBF-437D-9712-4EFA02602C16}"/>
+                <a16:creationId xmlns:a16="http://schemas.microsoft.com/office/drawing/2014/main" id="{23937901-91C3-4111-8156-97DF227D1622}"/>
               </a:ext>
             </a:extLst>
           </p:cNvPr>
@@ -10478,7 +10562,10 @@
           <a:bodyPr/>
           <a:lstStyle/>
           <a:p>
-            <a:endParaRPr lang="en-US"/>
+            <a:r>
+              <a:rPr lang="en-US" dirty="0"/>
+              <a:t>Limitations</a:t>
+            </a:r>
           </a:p>
         </p:txBody>
       </p:sp>
@@ -10487,7 +10574,7 @@
           <p:cNvPr id="3" name="Content Placeholder 2">
             <a:extLst>
               <a:ext uri="{FF2B5EF4-FFF2-40B4-BE49-F238E27FC236}">
-                <a16:creationId xmlns:a16="http://schemas.microsoft.com/office/drawing/2014/main" id="{9C20BAA4-889F-496B-9282-CFBB823ADDCE}"/>
+                <a16:creationId xmlns:a16="http://schemas.microsoft.com/office/drawing/2014/main" id="{87FC6EE0-5AA1-451D-B5D6-1067030028E7}"/>
               </a:ext>
             </a:extLst>
           </p:cNvPr>
@@ -10498,14 +10585,21 @@
             <p:ph idx="1"/>
           </p:nvPr>
         </p:nvSpPr>
-        <p:spPr/>
+        <p:spPr>
+          <a:xfrm>
+            <a:off x="838200" y="1825624"/>
+            <a:ext cx="10515600" cy="2159779"/>
+          </a:xfrm>
+        </p:spPr>
         <p:txBody>
-          <a:bodyPr/>
+          <a:bodyPr>
+            <a:normAutofit/>
+          </a:bodyPr>
           <a:lstStyle/>
           <a:p>
             <a:r>
               <a:rPr lang="en-US" dirty="0"/>
-              <a:t>Shrink.mp4</a:t>
+              <a:t>3D equivalence is much more complicated.</a:t>
             </a:r>
           </a:p>
         </p:txBody>
@@ -10513,7 +10607,7 @@
     </p:spTree>
     <p:extLst>
       <p:ext uri="{BB962C8B-B14F-4D97-AF65-F5344CB8AC3E}">
-        <p14:creationId xmlns:p14="http://schemas.microsoft.com/office/powerpoint/2010/main" val="1076661681"/>
+        <p14:creationId xmlns:p14="http://schemas.microsoft.com/office/powerpoint/2010/main" val="2134592938"/>
       </p:ext>
     </p:extLst>
   </p:cSld>
@@ -10540,485 +10634,60 @@
           <a:chExt cx="0" cy="0"/>
         </a:xfrm>
       </p:grpSpPr>
-      <p:pic>
-        <p:nvPicPr>
-          <p:cNvPr id="5" name="Content Placeholder 4">
-            <a:extLst>
-              <a:ext uri="{FF2B5EF4-FFF2-40B4-BE49-F238E27FC236}">
-                <a16:creationId xmlns:a16="http://schemas.microsoft.com/office/drawing/2014/main" id="{855186E4-3B82-4C93-9D95-FA30815B96EA}"/>
-              </a:ext>
-            </a:extLst>
-          </p:cNvPr>
-          <p:cNvPicPr>
-            <a:picLocks noGrp="1" noChangeAspect="1"/>
-          </p:cNvPicPr>
-          <p:nvPr>
-            <p:ph idx="1"/>
-          </p:nvPr>
-        </p:nvPicPr>
-        <p:blipFill>
-          <a:blip r:embed="rId2">
-            <a:extLst>
-              <a:ext uri="{28A0092B-C50C-407E-A947-70E740481C1C}">
-                <a14:useLocalDpi xmlns:a14="http://schemas.microsoft.com/office/drawing/2010/main" val="0"/>
-              </a:ext>
-            </a:extLst>
-          </a:blip>
-          <a:stretch>
-            <a:fillRect/>
-          </a:stretch>
-        </p:blipFill>
-        <p:spPr>
-          <a:xfrm>
-            <a:off x="6096000" y="1969007"/>
-            <a:ext cx="5801784" cy="4351338"/>
-          </a:xfrm>
-        </p:spPr>
-      </p:pic>
-      <p:pic>
-        <p:nvPicPr>
-          <p:cNvPr id="7" name="Picture 6">
-            <a:extLst>
-              <a:ext uri="{FF2B5EF4-FFF2-40B4-BE49-F238E27FC236}">
-                <a16:creationId xmlns:a16="http://schemas.microsoft.com/office/drawing/2014/main" id="{55BD9479-3D92-4052-B5F5-0EE31CA46340}"/>
-              </a:ext>
-            </a:extLst>
-          </p:cNvPr>
-          <p:cNvPicPr>
-            <a:picLocks noChangeAspect="1"/>
-          </p:cNvPicPr>
-          <p:nvPr/>
-        </p:nvPicPr>
-        <p:blipFill>
-          <a:blip r:embed="rId3">
-            <a:extLst>
-              <a:ext uri="{28A0092B-C50C-407E-A947-70E740481C1C}">
-                <a14:useLocalDpi xmlns:a14="http://schemas.microsoft.com/office/drawing/2010/main" val="0"/>
-              </a:ext>
-            </a:extLst>
-          </a:blip>
-          <a:stretch>
-            <a:fillRect/>
-          </a:stretch>
-        </p:blipFill>
-        <p:spPr>
-          <a:xfrm>
-            <a:off x="294215" y="1969006"/>
-            <a:ext cx="5801785" cy="4351339"/>
-          </a:xfrm>
-          <a:prstGeom prst="rect">
-            <a:avLst/>
-          </a:prstGeom>
-        </p:spPr>
-      </p:pic>
       <p:sp>
         <p:nvSpPr>
-          <p:cNvPr id="8" name="Content Placeholder 4">
-            <a:extLst>
-              <a:ext uri="{FF2B5EF4-FFF2-40B4-BE49-F238E27FC236}">
-                <a16:creationId xmlns:a16="http://schemas.microsoft.com/office/drawing/2014/main" id="{4D60E0E2-8789-404B-A96C-A073118C64D3}"/>
-              </a:ext>
-            </a:extLst>
-          </p:cNvPr>
-          <p:cNvSpPr txBox="1">
-            <a:spLocks/>
+          <p:cNvPr id="2" name="Title 1">
+            <a:extLst>
+              <a:ext uri="{FF2B5EF4-FFF2-40B4-BE49-F238E27FC236}">
+                <a16:creationId xmlns:a16="http://schemas.microsoft.com/office/drawing/2014/main" id="{436E5339-37D6-48E9-9DEC-86205FEF756D}"/>
+              </a:ext>
+            </a:extLst>
+          </p:cNvPr>
+          <p:cNvSpPr>
+            <a:spLocks noGrp="1"/>
           </p:cNvSpPr>
-          <p:nvPr/>
+          <p:nvPr>
+            <p:ph type="title"/>
+          </p:nvPr>
         </p:nvSpPr>
-        <p:spPr>
-          <a:xfrm>
-            <a:off x="780429" y="1172199"/>
-            <a:ext cx="4829355" cy="796805"/>
-          </a:xfrm>
-          <a:prstGeom prst="rect">
-            <a:avLst/>
-          </a:prstGeom>
-        </p:spPr>
+        <p:spPr/>
         <p:txBody>
-          <a:bodyPr vert="horz" lIns="91440" tIns="45720" rIns="91440" bIns="45720" rtlCol="0">
-            <a:normAutofit/>
-          </a:bodyPr>
-          <a:lstStyle>
-            <a:lvl1pPr marL="228600" indent="-228600" algn="l" defTabSz="914400" rtl="0" eaLnBrk="1" latinLnBrk="0" hangingPunct="1">
-              <a:lnSpc>
-                <a:spcPct val="90000"/>
-              </a:lnSpc>
-              <a:spcBef>
-                <a:spcPts val="1000"/>
-              </a:spcBef>
-              <a:buFont typeface="Arial" panose="020B0604020202020204" pitchFamily="34" charset="0"/>
-              <a:buChar char="•"/>
-              <a:defRPr sz="2800" kern="1200">
-                <a:solidFill>
-                  <a:schemeClr val="tx1"/>
-                </a:solidFill>
-                <a:latin typeface="+mn-lt"/>
-                <a:ea typeface="+mn-ea"/>
-                <a:cs typeface="+mn-cs"/>
-              </a:defRPr>
-            </a:lvl1pPr>
-            <a:lvl2pPr marL="685800" indent="-228600" algn="l" defTabSz="914400" rtl="0" eaLnBrk="1" latinLnBrk="0" hangingPunct="1">
-              <a:lnSpc>
-                <a:spcPct val="90000"/>
-              </a:lnSpc>
-              <a:spcBef>
-                <a:spcPts val="500"/>
-              </a:spcBef>
-              <a:buFont typeface="Arial" panose="020B0604020202020204" pitchFamily="34" charset="0"/>
-              <a:buChar char="•"/>
-              <a:defRPr sz="2400" kern="1200">
-                <a:solidFill>
-                  <a:schemeClr val="tx1"/>
-                </a:solidFill>
-                <a:latin typeface="+mn-lt"/>
-                <a:ea typeface="+mn-ea"/>
-                <a:cs typeface="+mn-cs"/>
-              </a:defRPr>
-            </a:lvl2pPr>
-            <a:lvl3pPr marL="1143000" indent="-228600" algn="l" defTabSz="914400" rtl="0" eaLnBrk="1" latinLnBrk="0" hangingPunct="1">
-              <a:lnSpc>
-                <a:spcPct val="90000"/>
-              </a:lnSpc>
-              <a:spcBef>
-                <a:spcPts val="500"/>
-              </a:spcBef>
-              <a:buFont typeface="Arial" panose="020B0604020202020204" pitchFamily="34" charset="0"/>
-              <a:buChar char="•"/>
-              <a:defRPr sz="2000" kern="1200">
-                <a:solidFill>
-                  <a:schemeClr val="tx1"/>
-                </a:solidFill>
-                <a:latin typeface="+mn-lt"/>
-                <a:ea typeface="+mn-ea"/>
-                <a:cs typeface="+mn-cs"/>
-              </a:defRPr>
-            </a:lvl3pPr>
-            <a:lvl4pPr marL="1600200" indent="-228600" algn="l" defTabSz="914400" rtl="0" eaLnBrk="1" latinLnBrk="0" hangingPunct="1">
-              <a:lnSpc>
-                <a:spcPct val="90000"/>
-              </a:lnSpc>
-              <a:spcBef>
-                <a:spcPts val="500"/>
-              </a:spcBef>
-              <a:buFont typeface="Arial" panose="020B0604020202020204" pitchFamily="34" charset="0"/>
-              <a:buChar char="•"/>
-              <a:defRPr sz="1800" kern="1200">
-                <a:solidFill>
-                  <a:schemeClr val="tx1"/>
-                </a:solidFill>
-                <a:latin typeface="+mn-lt"/>
-                <a:ea typeface="+mn-ea"/>
-                <a:cs typeface="+mn-cs"/>
-              </a:defRPr>
-            </a:lvl4pPr>
-            <a:lvl5pPr marL="2057400" indent="-228600" algn="l" defTabSz="914400" rtl="0" eaLnBrk="1" latinLnBrk="0" hangingPunct="1">
-              <a:lnSpc>
-                <a:spcPct val="90000"/>
-              </a:lnSpc>
-              <a:spcBef>
-                <a:spcPts val="500"/>
-              </a:spcBef>
-              <a:buFont typeface="Arial" panose="020B0604020202020204" pitchFamily="34" charset="0"/>
-              <a:buChar char="•"/>
-              <a:defRPr sz="1800" kern="1200">
-                <a:solidFill>
-                  <a:schemeClr val="tx1"/>
-                </a:solidFill>
-                <a:latin typeface="+mn-lt"/>
-                <a:ea typeface="+mn-ea"/>
-                <a:cs typeface="+mn-cs"/>
-              </a:defRPr>
-            </a:lvl5pPr>
-            <a:lvl6pPr marL="2514600" indent="-228600" algn="l" defTabSz="914400" rtl="0" eaLnBrk="1" latinLnBrk="0" hangingPunct="1">
-              <a:lnSpc>
-                <a:spcPct val="90000"/>
-              </a:lnSpc>
-              <a:spcBef>
-                <a:spcPts val="500"/>
-              </a:spcBef>
-              <a:buFont typeface="Arial" panose="020B0604020202020204" pitchFamily="34" charset="0"/>
-              <a:buChar char="•"/>
-              <a:defRPr sz="1800" kern="1200">
-                <a:solidFill>
-                  <a:schemeClr val="tx1"/>
-                </a:solidFill>
-                <a:latin typeface="+mn-lt"/>
-                <a:ea typeface="+mn-ea"/>
-                <a:cs typeface="+mn-cs"/>
-              </a:defRPr>
-            </a:lvl6pPr>
-            <a:lvl7pPr marL="2971800" indent="-228600" algn="l" defTabSz="914400" rtl="0" eaLnBrk="1" latinLnBrk="0" hangingPunct="1">
-              <a:lnSpc>
-                <a:spcPct val="90000"/>
-              </a:lnSpc>
-              <a:spcBef>
-                <a:spcPts val="500"/>
-              </a:spcBef>
-              <a:buFont typeface="Arial" panose="020B0604020202020204" pitchFamily="34" charset="0"/>
-              <a:buChar char="•"/>
-              <a:defRPr sz="1800" kern="1200">
-                <a:solidFill>
-                  <a:schemeClr val="tx1"/>
-                </a:solidFill>
-                <a:latin typeface="+mn-lt"/>
-                <a:ea typeface="+mn-ea"/>
-                <a:cs typeface="+mn-cs"/>
-              </a:defRPr>
-            </a:lvl7pPr>
-            <a:lvl8pPr marL="3429000" indent="-228600" algn="l" defTabSz="914400" rtl="0" eaLnBrk="1" latinLnBrk="0" hangingPunct="1">
-              <a:lnSpc>
-                <a:spcPct val="90000"/>
-              </a:lnSpc>
-              <a:spcBef>
-                <a:spcPts val="500"/>
-              </a:spcBef>
-              <a:buFont typeface="Arial" panose="020B0604020202020204" pitchFamily="34" charset="0"/>
-              <a:buChar char="•"/>
-              <a:defRPr sz="1800" kern="1200">
-                <a:solidFill>
-                  <a:schemeClr val="tx1"/>
-                </a:solidFill>
-                <a:latin typeface="+mn-lt"/>
-                <a:ea typeface="+mn-ea"/>
-                <a:cs typeface="+mn-cs"/>
-              </a:defRPr>
-            </a:lvl8pPr>
-            <a:lvl9pPr marL="3886200" indent="-228600" algn="l" defTabSz="914400" rtl="0" eaLnBrk="1" latinLnBrk="0" hangingPunct="1">
-              <a:lnSpc>
-                <a:spcPct val="90000"/>
-              </a:lnSpc>
-              <a:spcBef>
-                <a:spcPts val="500"/>
-              </a:spcBef>
-              <a:buFont typeface="Arial" panose="020B0604020202020204" pitchFamily="34" charset="0"/>
-              <a:buChar char="•"/>
-              <a:defRPr sz="1800" kern="1200">
-                <a:solidFill>
-                  <a:schemeClr val="tx1"/>
-                </a:solidFill>
-                <a:latin typeface="+mn-lt"/>
-                <a:ea typeface="+mn-ea"/>
-                <a:cs typeface="+mn-cs"/>
-              </a:defRPr>
-            </a:lvl9pPr>
-          </a:lstStyle>
-          <a:p>
-            <a:pPr marL="0" indent="0" algn="ctr">
-              <a:buNone/>
-            </a:pPr>
-            <a:r>
-              <a:rPr lang="en-US" dirty="0"/>
-              <a:t>Area inside boundary</a:t>
-            </a:r>
+          <a:bodyPr/>
+          <a:lstStyle/>
+          <a:p>
+            <a:endParaRPr lang="en-US"/>
           </a:p>
         </p:txBody>
       </p:sp>
       <p:sp>
         <p:nvSpPr>
-          <p:cNvPr id="9" name="Content Placeholder 4">
-            <a:extLst>
-              <a:ext uri="{FF2B5EF4-FFF2-40B4-BE49-F238E27FC236}">
-                <a16:creationId xmlns:a16="http://schemas.microsoft.com/office/drawing/2014/main" id="{03C43257-4F58-413A-B7E7-2CA0F659BE2C}"/>
-              </a:ext>
-            </a:extLst>
-          </p:cNvPr>
-          <p:cNvSpPr txBox="1">
-            <a:spLocks/>
+          <p:cNvPr id="3" name="Content Placeholder 2">
+            <a:extLst>
+              <a:ext uri="{FF2B5EF4-FFF2-40B4-BE49-F238E27FC236}">
+                <a16:creationId xmlns:a16="http://schemas.microsoft.com/office/drawing/2014/main" id="{F544AD2F-3D7E-4832-90BC-E4B203422755}"/>
+              </a:ext>
+            </a:extLst>
+          </p:cNvPr>
+          <p:cNvSpPr>
+            <a:spLocks noGrp="1"/>
           </p:cNvSpPr>
-          <p:nvPr/>
+          <p:nvPr>
+            <p:ph idx="1"/>
+          </p:nvPr>
         </p:nvSpPr>
-        <p:spPr>
-          <a:xfrm>
-            <a:off x="6582214" y="1172199"/>
-            <a:ext cx="4829355" cy="796805"/>
-          </a:xfrm>
-          <a:prstGeom prst="rect">
-            <a:avLst/>
-          </a:prstGeom>
-        </p:spPr>
+        <p:spPr/>
         <p:txBody>
-          <a:bodyPr vert="horz" lIns="91440" tIns="45720" rIns="91440" bIns="45720" rtlCol="0">
-            <a:normAutofit lnSpcReduction="10000"/>
-          </a:bodyPr>
-          <a:lstStyle>
-            <a:lvl1pPr marL="228600" indent="-228600" algn="l" defTabSz="914400" rtl="0" eaLnBrk="1" latinLnBrk="0" hangingPunct="1">
-              <a:lnSpc>
-                <a:spcPct val="90000"/>
-              </a:lnSpc>
-              <a:spcBef>
-                <a:spcPts val="1000"/>
-              </a:spcBef>
-              <a:buFont typeface="Arial" panose="020B0604020202020204" pitchFamily="34" charset="0"/>
-              <a:buChar char="•"/>
-              <a:defRPr sz="2800" kern="1200">
-                <a:solidFill>
-                  <a:schemeClr val="tx1"/>
-                </a:solidFill>
-                <a:latin typeface="+mn-lt"/>
-                <a:ea typeface="+mn-ea"/>
-                <a:cs typeface="+mn-cs"/>
-              </a:defRPr>
-            </a:lvl1pPr>
-            <a:lvl2pPr marL="685800" indent="-228600" algn="l" defTabSz="914400" rtl="0" eaLnBrk="1" latinLnBrk="0" hangingPunct="1">
-              <a:lnSpc>
-                <a:spcPct val="90000"/>
-              </a:lnSpc>
-              <a:spcBef>
-                <a:spcPts val="500"/>
-              </a:spcBef>
-              <a:buFont typeface="Arial" panose="020B0604020202020204" pitchFamily="34" charset="0"/>
-              <a:buChar char="•"/>
-              <a:defRPr sz="2400" kern="1200">
-                <a:solidFill>
-                  <a:schemeClr val="tx1"/>
-                </a:solidFill>
-                <a:latin typeface="+mn-lt"/>
-                <a:ea typeface="+mn-ea"/>
-                <a:cs typeface="+mn-cs"/>
-              </a:defRPr>
-            </a:lvl2pPr>
-            <a:lvl3pPr marL="1143000" indent="-228600" algn="l" defTabSz="914400" rtl="0" eaLnBrk="1" latinLnBrk="0" hangingPunct="1">
-              <a:lnSpc>
-                <a:spcPct val="90000"/>
-              </a:lnSpc>
-              <a:spcBef>
-                <a:spcPts val="500"/>
-              </a:spcBef>
-              <a:buFont typeface="Arial" panose="020B0604020202020204" pitchFamily="34" charset="0"/>
-              <a:buChar char="•"/>
-              <a:defRPr sz="2000" kern="1200">
-                <a:solidFill>
-                  <a:schemeClr val="tx1"/>
-                </a:solidFill>
-                <a:latin typeface="+mn-lt"/>
-                <a:ea typeface="+mn-ea"/>
-                <a:cs typeface="+mn-cs"/>
-              </a:defRPr>
-            </a:lvl3pPr>
-            <a:lvl4pPr marL="1600200" indent="-228600" algn="l" defTabSz="914400" rtl="0" eaLnBrk="1" latinLnBrk="0" hangingPunct="1">
-              <a:lnSpc>
-                <a:spcPct val="90000"/>
-              </a:lnSpc>
-              <a:spcBef>
-                <a:spcPts val="500"/>
-              </a:spcBef>
-              <a:buFont typeface="Arial" panose="020B0604020202020204" pitchFamily="34" charset="0"/>
-              <a:buChar char="•"/>
-              <a:defRPr sz="1800" kern="1200">
-                <a:solidFill>
-                  <a:schemeClr val="tx1"/>
-                </a:solidFill>
-                <a:latin typeface="+mn-lt"/>
-                <a:ea typeface="+mn-ea"/>
-                <a:cs typeface="+mn-cs"/>
-              </a:defRPr>
-            </a:lvl4pPr>
-            <a:lvl5pPr marL="2057400" indent="-228600" algn="l" defTabSz="914400" rtl="0" eaLnBrk="1" latinLnBrk="0" hangingPunct="1">
-              <a:lnSpc>
-                <a:spcPct val="90000"/>
-              </a:lnSpc>
-              <a:spcBef>
-                <a:spcPts val="500"/>
-              </a:spcBef>
-              <a:buFont typeface="Arial" panose="020B0604020202020204" pitchFamily="34" charset="0"/>
-              <a:buChar char="•"/>
-              <a:defRPr sz="1800" kern="1200">
-                <a:solidFill>
-                  <a:schemeClr val="tx1"/>
-                </a:solidFill>
-                <a:latin typeface="+mn-lt"/>
-                <a:ea typeface="+mn-ea"/>
-                <a:cs typeface="+mn-cs"/>
-              </a:defRPr>
-            </a:lvl5pPr>
-            <a:lvl6pPr marL="2514600" indent="-228600" algn="l" defTabSz="914400" rtl="0" eaLnBrk="1" latinLnBrk="0" hangingPunct="1">
-              <a:lnSpc>
-                <a:spcPct val="90000"/>
-              </a:lnSpc>
-              <a:spcBef>
-                <a:spcPts val="500"/>
-              </a:spcBef>
-              <a:buFont typeface="Arial" panose="020B0604020202020204" pitchFamily="34" charset="0"/>
-              <a:buChar char="•"/>
-              <a:defRPr sz="1800" kern="1200">
-                <a:solidFill>
-                  <a:schemeClr val="tx1"/>
-                </a:solidFill>
-                <a:latin typeface="+mn-lt"/>
-                <a:ea typeface="+mn-ea"/>
-                <a:cs typeface="+mn-cs"/>
-              </a:defRPr>
-            </a:lvl6pPr>
-            <a:lvl7pPr marL="2971800" indent="-228600" algn="l" defTabSz="914400" rtl="0" eaLnBrk="1" latinLnBrk="0" hangingPunct="1">
-              <a:lnSpc>
-                <a:spcPct val="90000"/>
-              </a:lnSpc>
-              <a:spcBef>
-                <a:spcPts val="500"/>
-              </a:spcBef>
-              <a:buFont typeface="Arial" panose="020B0604020202020204" pitchFamily="34" charset="0"/>
-              <a:buChar char="•"/>
-              <a:defRPr sz="1800" kern="1200">
-                <a:solidFill>
-                  <a:schemeClr val="tx1"/>
-                </a:solidFill>
-                <a:latin typeface="+mn-lt"/>
-                <a:ea typeface="+mn-ea"/>
-                <a:cs typeface="+mn-cs"/>
-              </a:defRPr>
-            </a:lvl7pPr>
-            <a:lvl8pPr marL="3429000" indent="-228600" algn="l" defTabSz="914400" rtl="0" eaLnBrk="1" latinLnBrk="0" hangingPunct="1">
-              <a:lnSpc>
-                <a:spcPct val="90000"/>
-              </a:lnSpc>
-              <a:spcBef>
-                <a:spcPts val="500"/>
-              </a:spcBef>
-              <a:buFont typeface="Arial" panose="020B0604020202020204" pitchFamily="34" charset="0"/>
-              <a:buChar char="•"/>
-              <a:defRPr sz="1800" kern="1200">
-                <a:solidFill>
-                  <a:schemeClr val="tx1"/>
-                </a:solidFill>
-                <a:latin typeface="+mn-lt"/>
-                <a:ea typeface="+mn-ea"/>
-                <a:cs typeface="+mn-cs"/>
-              </a:defRPr>
-            </a:lvl8pPr>
-            <a:lvl9pPr marL="3886200" indent="-228600" algn="l" defTabSz="914400" rtl="0" eaLnBrk="1" latinLnBrk="0" hangingPunct="1">
-              <a:lnSpc>
-                <a:spcPct val="90000"/>
-              </a:lnSpc>
-              <a:spcBef>
-                <a:spcPts val="500"/>
-              </a:spcBef>
-              <a:buFont typeface="Arial" panose="020B0604020202020204" pitchFamily="34" charset="0"/>
-              <a:buChar char="•"/>
-              <a:defRPr sz="1800" kern="1200">
-                <a:solidFill>
-                  <a:schemeClr val="tx1"/>
-                </a:solidFill>
-                <a:latin typeface="+mn-lt"/>
-                <a:ea typeface="+mn-ea"/>
-                <a:cs typeface="+mn-cs"/>
-              </a:defRPr>
-            </a:lvl9pPr>
-          </a:lstStyle>
-          <a:p>
-            <a:pPr marL="0" indent="0" algn="ctr">
-              <a:buNone/>
-            </a:pPr>
-            <a:r>
-              <a:rPr lang="en-US" dirty="0"/>
-              <a:t>Accumulated surface energy error due to resampling</a:t>
-            </a:r>
+          <a:bodyPr/>
+          <a:lstStyle/>
+          <a:p>
+            <a:endParaRPr lang="en-US"/>
           </a:p>
         </p:txBody>
       </p:sp>
     </p:spTree>
     <p:extLst>
       <p:ext uri="{BB962C8B-B14F-4D97-AF65-F5344CB8AC3E}">
-        <p14:creationId xmlns:p14="http://schemas.microsoft.com/office/powerpoint/2010/main" val="3853847089"/>
+        <p14:creationId xmlns:p14="http://schemas.microsoft.com/office/powerpoint/2010/main" val="1209892534"/>
       </p:ext>
     </p:extLst>
   </p:cSld>
@@ -11047,10 +10716,10 @@
       </p:grpSpPr>
       <p:sp>
         <p:nvSpPr>
-          <p:cNvPr id="4" name="Title 3">
-            <a:extLst>
-              <a:ext uri="{FF2B5EF4-FFF2-40B4-BE49-F238E27FC236}">
-                <a16:creationId xmlns:a16="http://schemas.microsoft.com/office/drawing/2014/main" id="{720528D7-186C-443B-99C6-8C2E6AD16B60}"/>
+          <p:cNvPr id="2" name="Title 1">
+            <a:extLst>
+              <a:ext uri="{FF2B5EF4-FFF2-40B4-BE49-F238E27FC236}">
+                <a16:creationId xmlns:a16="http://schemas.microsoft.com/office/drawing/2014/main" id="{537FA556-2C26-4971-B373-5B2C2460CB60}"/>
               </a:ext>
             </a:extLst>
           </p:cNvPr>
@@ -11066,6 +10735,86 @@
           <a:bodyPr/>
           <a:lstStyle/>
           <a:p>
+            <a:endParaRPr lang="en-US"/>
+          </a:p>
+        </p:txBody>
+      </p:sp>
+      <p:sp>
+        <p:nvSpPr>
+          <p:cNvPr id="3" name="Content Placeholder 2">
+            <a:extLst>
+              <a:ext uri="{FF2B5EF4-FFF2-40B4-BE49-F238E27FC236}">
+                <a16:creationId xmlns:a16="http://schemas.microsoft.com/office/drawing/2014/main" id="{42135125-F499-41D3-844D-83A4FB5EADC4}"/>
+              </a:ext>
+            </a:extLst>
+          </p:cNvPr>
+          <p:cNvSpPr>
+            <a:spLocks noGrp="1"/>
+          </p:cNvSpPr>
+          <p:nvPr>
+            <p:ph idx="1"/>
+          </p:nvPr>
+        </p:nvSpPr>
+        <p:spPr/>
+        <p:txBody>
+          <a:bodyPr/>
+          <a:lstStyle/>
+          <a:p>
+            <a:endParaRPr lang="en-US"/>
+          </a:p>
+        </p:txBody>
+      </p:sp>
+    </p:spTree>
+    <p:extLst>
+      <p:ext uri="{BB962C8B-B14F-4D97-AF65-F5344CB8AC3E}">
+        <p14:creationId xmlns:p14="http://schemas.microsoft.com/office/powerpoint/2010/main" val="2565561166"/>
+      </p:ext>
+    </p:extLst>
+  </p:cSld>
+  <p:clrMapOvr>
+    <a:masterClrMapping/>
+  </p:clrMapOvr>
+</p:sld>
+</file>
+
+<file path=ppt/slides/slide33.xml><?xml version="1.0" encoding="utf-8"?>
+<p:sld xmlns:a="http://schemas.openxmlformats.org/drawingml/2006/main" xmlns:r="http://schemas.openxmlformats.org/officeDocument/2006/relationships" xmlns:p="http://schemas.openxmlformats.org/presentationml/2006/main">
+  <p:cSld>
+    <p:spTree>
+      <p:nvGrpSpPr>
+        <p:cNvPr id="1" name=""/>
+        <p:cNvGrpSpPr/>
+        <p:nvPr/>
+      </p:nvGrpSpPr>
+      <p:grpSpPr>
+        <a:xfrm>
+          <a:off x="0" y="0"/>
+          <a:ext cx="0" cy="0"/>
+          <a:chOff x="0" y="0"/>
+          <a:chExt cx="0" cy="0"/>
+        </a:xfrm>
+      </p:grpSpPr>
+      <p:sp>
+        <p:nvSpPr>
+          <p:cNvPr id="4" name="Title 3">
+            <a:extLst>
+              <a:ext uri="{FF2B5EF4-FFF2-40B4-BE49-F238E27FC236}">
+                <a16:creationId xmlns:a16="http://schemas.microsoft.com/office/drawing/2014/main" id="{720528D7-186C-443B-99C6-8C2E6AD16B60}"/>
+              </a:ext>
+            </a:extLst>
+          </p:cNvPr>
+          <p:cNvSpPr>
+            <a:spLocks noGrp="1"/>
+          </p:cNvSpPr>
+          <p:nvPr>
+            <p:ph type="title"/>
+          </p:nvPr>
+        </p:nvSpPr>
+        <p:spPr/>
+        <p:txBody>
+          <a:bodyPr/>
+          <a:lstStyle/>
+          <a:p>
             <a:r>
               <a:rPr lang="en-US" dirty="0"/>
               <a:t>Interface Splicing</a:t>
@@ -11096,7 +10845,7 @@
           <a:p>
             <a:r>
               <a:rPr lang="en-US" dirty="0"/>
-              <a:t>Droplets can now coalesce, split up, attach to, and detach from the wall</a:t>
+              <a:t>Droplets can now coalesce, split up, attach to, and detach from the wall.</a:t>
             </a:r>
           </a:p>
         </p:txBody>
@@ -11114,7 +10863,7 @@
 </p:sld>
 </file>
 
-<file path=ppt/slides/slide33.xml><?xml version="1.0" encoding="utf-8"?>
+<file path=ppt/slides/slide34.xml><?xml version="1.0" encoding="utf-8"?>
 <p:sld xmlns:a="http://schemas.openxmlformats.org/drawingml/2006/main" xmlns:r="http://schemas.openxmlformats.org/officeDocument/2006/relationships" xmlns:p="http://schemas.openxmlformats.org/presentationml/2006/main">
   <p:cSld>
     <p:spTree>
@@ -11174,7 +10923,7 @@
 </p:sld>
 </file>
 
-<file path=ppt/slides/slide34.xml><?xml version="1.0" encoding="utf-8"?>
+<file path=ppt/slides/slide35.xml><?xml version="1.0" encoding="utf-8"?>
 <p:sld xmlns:a="http://schemas.openxmlformats.org/drawingml/2006/main" xmlns:r="http://schemas.openxmlformats.org/officeDocument/2006/relationships" xmlns:p="http://schemas.openxmlformats.org/presentationml/2006/main">
   <p:cSld>
     <p:spTree>
@@ -11234,7 +10983,7 @@
 </p:sld>
 </file>
 
-<file path=ppt/slides/slide35.xml><?xml version="1.0" encoding="utf-8"?>
+<file path=ppt/slides/slide36.xml><?xml version="1.0" encoding="utf-8"?>
 <p:sld xmlns:a="http://schemas.openxmlformats.org/drawingml/2006/main" xmlns:r="http://schemas.openxmlformats.org/officeDocument/2006/relationships" xmlns:p="http://schemas.openxmlformats.org/presentationml/2006/main">
   <p:cSld>
     <p:spTree>
@@ -11294,7 +11043,7 @@
 </p:sld>
 </file>
 
-<file path=ppt/slides/slide36.xml><?xml version="1.0" encoding="utf-8"?>
+<file path=ppt/slides/slide37.xml><?xml version="1.0" encoding="utf-8"?>
 <p:sld xmlns:a="http://schemas.openxmlformats.org/drawingml/2006/main" xmlns:r="http://schemas.openxmlformats.org/officeDocument/2006/relationships" xmlns:p="http://schemas.openxmlformats.org/presentationml/2006/main">
   <p:cSld>
     <p:spTree>
@@ -11385,7 +11134,7 @@
 </p:sld>
 </file>
 
-<file path=ppt/slides/slide37.xml><?xml version="1.0" encoding="utf-8"?>
+<file path=ppt/slides/slide38.xml><?xml version="1.0" encoding="utf-8"?>
 <p:sld xmlns:a="http://schemas.openxmlformats.org/drawingml/2006/main" xmlns:r="http://schemas.openxmlformats.org/officeDocument/2006/relationships" xmlns:p="http://schemas.openxmlformats.org/presentationml/2006/main">
   <p:cSld>
     <p:spTree>
@@ -11460,8 +11209,8 @@
           </a:p>
         </p:txBody>
       </p:sp>
-      <mc:AlternateContent xmlns:mc="http://schemas.openxmlformats.org/markup-compatibility/2006" xmlns:a14="http://schemas.microsoft.com/office/drawing/2010/main">
-        <mc:Choice Requires="a14">
+      <mc:AlternateContent xmlns:mc="http://schemas.openxmlformats.org/markup-compatibility/2006">
+        <mc:Choice xmlns:a14="http://schemas.microsoft.com/office/drawing/2010/main" Requires="a14">
           <p:sp>
             <p:nvSpPr>
               <p:cNvPr id="3" name="Content Placeholder 2">
@@ -11490,13 +11239,13 @@
               <a:p>
                 <a:r>
                   <a:rPr lang="en-US" dirty="0"/>
-                  <a:t>Circular double directed linked list of interface markers</a:t>
+                  <a:t>Circular double directed linked list of interface markers.</a:t>
                 </a:r>
               </a:p>
               <a:p>
                 <a:r>
                   <a:rPr lang="en-US" dirty="0"/>
-                  <a:t>“Right hand rule”: liquid always on the right</a:t>
+                  <a:t>“Right hand rule”: liquid always on the right.</a:t>
                 </a:r>
               </a:p>
               <a:p>
@@ -11508,7 +11257,7 @@
               <a:p>
                 <a:r>
                   <a:rPr lang="en-US" dirty="0"/>
-                  <a:t>No-splice window</a:t>
+                  <a:t>No-splice window.</a:t>
                 </a:r>
               </a:p>
               <a:p>
@@ -11547,13 +11296,13 @@
                 </a14:m>
                 <a:r>
                   <a:rPr lang="en-US" dirty="0"/>
-                  <a:t>) optimization: selective attention</a:t>
+                  <a:t>) optimization: selective attention.</a:t>
                 </a:r>
               </a:p>
             </p:txBody>
           </p:sp>
         </mc:Choice>
-        <mc:Fallback xmlns="">
+        <mc:Fallback>
           <p:sp>
             <p:nvSpPr>
               <p:cNvPr id="3" name="Content Placeholder 2">
@@ -11610,7 +11359,7 @@
 </p:sld>
 </file>
 
-<file path=ppt/slides/slide38.xml><?xml version="1.0" encoding="utf-8"?>
+<file path=ppt/slides/slide39.xml><?xml version="1.0" encoding="utf-8"?>
 <p:sld xmlns:a="http://schemas.openxmlformats.org/drawingml/2006/main" xmlns:r="http://schemas.openxmlformats.org/officeDocument/2006/relationships" xmlns:p="http://schemas.openxmlformats.org/presentationml/2006/main">
   <p:cSld>
     <p:spTree>
@@ -12167,7 +11916,178 @@
 </p:sld>
 </file>
 
-<file path=ppt/slides/slide39.xml><?xml version="1.0" encoding="utf-8"?>
+<file path=ppt/slides/slide4.xml><?xml version="1.0" encoding="utf-8"?>
+<p:sld xmlns:a="http://schemas.openxmlformats.org/drawingml/2006/main" xmlns:r="http://schemas.openxmlformats.org/officeDocument/2006/relationships" xmlns:p="http://schemas.openxmlformats.org/presentationml/2006/main">
+  <p:cSld>
+    <p:spTree>
+      <p:nvGrpSpPr>
+        <p:cNvPr id="1" name=""/>
+        <p:cNvGrpSpPr/>
+        <p:nvPr/>
+      </p:nvGrpSpPr>
+      <p:grpSpPr>
+        <a:xfrm>
+          <a:off x="0" y="0"/>
+          <a:ext cx="0" cy="0"/>
+          <a:chOff x="0" y="0"/>
+          <a:chExt cx="0" cy="0"/>
+        </a:xfrm>
+      </p:grpSpPr>
+      <p:sp>
+        <p:nvSpPr>
+          <p:cNvPr id="2" name="Title 1">
+            <a:extLst>
+              <a:ext uri="{FF2B5EF4-FFF2-40B4-BE49-F238E27FC236}">
+                <a16:creationId xmlns:a16="http://schemas.microsoft.com/office/drawing/2014/main" id="{D81AC684-7B3C-4D0A-9361-7931B0C21D93}"/>
+              </a:ext>
+            </a:extLst>
+          </p:cNvPr>
+          <p:cNvSpPr>
+            <a:spLocks noGrp="1"/>
+          </p:cNvSpPr>
+          <p:nvPr>
+            <p:ph type="title"/>
+          </p:nvPr>
+        </p:nvSpPr>
+        <p:spPr/>
+        <p:txBody>
+          <a:bodyPr/>
+          <a:lstStyle/>
+          <a:p>
+            <a:r>
+              <a:rPr lang="en-US" dirty="0"/>
+              <a:t>Overview</a:t>
+            </a:r>
+          </a:p>
+        </p:txBody>
+      </p:sp>
+      <p:sp>
+        <p:nvSpPr>
+          <p:cNvPr id="3" name="Content Placeholder 2">
+            <a:extLst>
+              <a:ext uri="{FF2B5EF4-FFF2-40B4-BE49-F238E27FC236}">
+                <a16:creationId xmlns:a16="http://schemas.microsoft.com/office/drawing/2014/main" id="{4FBAC7A9-F14D-4C3D-AE3C-5067A2E9AC85}"/>
+              </a:ext>
+            </a:extLst>
+          </p:cNvPr>
+          <p:cNvSpPr>
+            <a:spLocks noGrp="1"/>
+          </p:cNvSpPr>
+          <p:nvPr>
+            <p:ph idx="1"/>
+          </p:nvPr>
+        </p:nvSpPr>
+        <p:spPr>
+          <a:xfrm>
+            <a:off x="838200" y="1825625"/>
+            <a:ext cx="6985958" cy="4764956"/>
+          </a:xfrm>
+        </p:spPr>
+        <p:txBody>
+          <a:bodyPr/>
+          <a:lstStyle/>
+          <a:p>
+            <a:r>
+              <a:rPr lang="en-US" b="1" dirty="0"/>
+              <a:t>Wall</a:t>
+            </a:r>
+            <a:r>
+              <a:rPr lang="en-US" dirty="0"/>
+              <a:t>: The solid surface, no-flux. </a:t>
+            </a:r>
+          </a:p>
+          <a:p>
+            <a:r>
+              <a:rPr lang="en-US" b="1" dirty="0"/>
+              <a:t>Interface</a:t>
+            </a:r>
+            <a:r>
+              <a:rPr lang="en-US" dirty="0"/>
+              <a:t>: the liquid-gas interface. </a:t>
+            </a:r>
+          </a:p>
+          <a:p>
+            <a:r>
+              <a:rPr lang="en-US" dirty="0"/>
+              <a:t>Variable density [Kim, Peskin. 2007].</a:t>
+            </a:r>
+          </a:p>
+          <a:p>
+            <a:endParaRPr lang="en-US" dirty="0"/>
+          </a:p>
+          <a:p>
+            <a:pPr marL="0" indent="0">
+              <a:buNone/>
+            </a:pPr>
+            <a:r>
+              <a:rPr lang="en-US" dirty="0"/>
+              <a:t>Techniques we propose:</a:t>
+            </a:r>
+          </a:p>
+          <a:p>
+            <a:r>
+              <a:rPr lang="en-US" b="1" dirty="0"/>
+              <a:t>Dynamic slipping.</a:t>
+            </a:r>
+          </a:p>
+          <a:p>
+            <a:r>
+              <a:rPr lang="en-US" b="1" dirty="0"/>
+              <a:t>Interface resampling.</a:t>
+            </a:r>
+          </a:p>
+          <a:p>
+            <a:r>
+              <a:rPr lang="en-US" b="1" dirty="0"/>
+              <a:t>Interface splicing.</a:t>
+            </a:r>
+          </a:p>
+        </p:txBody>
+      </p:sp>
+      <p:pic>
+        <p:nvPicPr>
+          <p:cNvPr id="5" name="Picture 4">
+            <a:extLst>
+              <a:ext uri="{FF2B5EF4-FFF2-40B4-BE49-F238E27FC236}">
+                <a16:creationId xmlns:a16="http://schemas.microsoft.com/office/drawing/2014/main" id="{52AC5FAC-FC05-4905-BBF3-050694C14FB6}"/>
+              </a:ext>
+            </a:extLst>
+          </p:cNvPr>
+          <p:cNvPicPr>
+            <a:picLocks noChangeAspect="1"/>
+          </p:cNvPicPr>
+          <p:nvPr/>
+        </p:nvPicPr>
+        <p:blipFill>
+          <a:blip r:embed="rId2"/>
+          <a:stretch>
+            <a:fillRect/>
+          </a:stretch>
+        </p:blipFill>
+        <p:spPr>
+          <a:xfrm>
+            <a:off x="8342104" y="606593"/>
+            <a:ext cx="2751466" cy="5570370"/>
+          </a:xfrm>
+          <a:prstGeom prst="rect">
+            <a:avLst/>
+          </a:prstGeom>
+        </p:spPr>
+      </p:pic>
+    </p:spTree>
+    <p:extLst>
+      <p:ext uri="{BB962C8B-B14F-4D97-AF65-F5344CB8AC3E}">
+        <p14:creationId xmlns:p14="http://schemas.microsoft.com/office/powerpoint/2010/main" val="4233382144"/>
+      </p:ext>
+    </p:extLst>
+  </p:cSld>
+  <p:clrMapOvr>
+    <a:masterClrMapping/>
+  </p:clrMapOvr>
+</p:sld>
+</file>
+
+<file path=ppt/slides/slide40.xml><?xml version="1.0" encoding="utf-8"?>
 <p:sld xmlns:a="http://schemas.openxmlformats.org/drawingml/2006/main" xmlns:r="http://schemas.openxmlformats.org/officeDocument/2006/relationships" xmlns:p="http://schemas.openxmlformats.org/presentationml/2006/main">
   <p:cSld>
     <p:spTree>
@@ -12927,7 +12847,7 @@
 </p:sld>
 </file>
 
-<file path=ppt/slides/slide4.xml><?xml version="1.0" encoding="utf-8"?>
+<file path=ppt/slides/slide41.xml><?xml version="1.0" encoding="utf-8"?>
 <p:sld xmlns:a="http://schemas.openxmlformats.org/drawingml/2006/main" xmlns:r="http://schemas.openxmlformats.org/officeDocument/2006/relationships" xmlns:p="http://schemas.openxmlformats.org/presentationml/2006/main">
   <p:cSld>
     <p:spTree>
@@ -12949,141 +12869,6 @@
           <p:cNvPr id="2" name="Title 1">
             <a:extLst>
               <a:ext uri="{FF2B5EF4-FFF2-40B4-BE49-F238E27FC236}">
-                <a16:creationId xmlns:a16="http://schemas.microsoft.com/office/drawing/2014/main" id="{1E5DBB3F-FBE2-465F-A430-CE9F80E22256}"/>
-              </a:ext>
-            </a:extLst>
-          </p:cNvPr>
-          <p:cNvSpPr>
-            <a:spLocks noGrp="1"/>
-          </p:cNvSpPr>
-          <p:nvPr>
-            <p:ph type="title"/>
-          </p:nvPr>
-        </p:nvSpPr>
-        <p:spPr/>
-        <p:txBody>
-          <a:bodyPr/>
-          <a:lstStyle/>
-          <a:p>
-            <a:r>
-              <a:rPr lang="en-US" dirty="0"/>
-              <a:t>Our numerical method for tension force</a:t>
-            </a:r>
-          </a:p>
-        </p:txBody>
-      </p:sp>
-      <p:sp>
-        <p:nvSpPr>
-          <p:cNvPr id="3" name="Content Placeholder 2">
-            <a:extLst>
-              <a:ext uri="{FF2B5EF4-FFF2-40B4-BE49-F238E27FC236}">
-                <a16:creationId xmlns:a16="http://schemas.microsoft.com/office/drawing/2014/main" id="{C9A77988-0891-4B4F-8791-8BD8286B4796}"/>
-              </a:ext>
-            </a:extLst>
-          </p:cNvPr>
-          <p:cNvSpPr>
-            <a:spLocks noGrp="1"/>
-          </p:cNvSpPr>
-          <p:nvPr>
-            <p:ph idx="1"/>
-          </p:nvPr>
-        </p:nvSpPr>
-        <p:spPr>
-          <a:xfrm>
-            <a:off x="838200" y="1825625"/>
-            <a:ext cx="7218872" cy="4351338"/>
-          </a:xfrm>
-        </p:spPr>
-        <p:txBody>
-          <a:bodyPr>
-            <a:normAutofit/>
-          </a:bodyPr>
-          <a:lstStyle/>
-          <a:p>
-            <a:r>
-              <a:rPr lang="en-US" dirty="0"/>
-              <a:t>Each interface marker is pulled by its two neighbors at constant magnitude. </a:t>
-            </a:r>
-          </a:p>
-          <a:p>
-            <a:r>
-              <a:rPr lang="en-US" dirty="0"/>
-              <a:t>Note that the total force on one marker is always normal to the interface. </a:t>
-            </a:r>
-          </a:p>
-        </p:txBody>
-      </p:sp>
-      <p:pic>
-        <p:nvPicPr>
-          <p:cNvPr id="5" name="Picture 4">
-            <a:extLst>
-              <a:ext uri="{FF2B5EF4-FFF2-40B4-BE49-F238E27FC236}">
-                <a16:creationId xmlns:a16="http://schemas.microsoft.com/office/drawing/2014/main" id="{655F40F9-6053-4EAE-B422-CCA96954F673}"/>
-              </a:ext>
-            </a:extLst>
-          </p:cNvPr>
-          <p:cNvPicPr>
-            <a:picLocks noChangeAspect="1"/>
-          </p:cNvPicPr>
-          <p:nvPr/>
-        </p:nvPicPr>
-        <p:blipFill>
-          <a:blip r:embed="rId2">
-            <a:extLst>
-              <a:ext uri="{28A0092B-C50C-407E-A947-70E740481C1C}">
-                <a14:useLocalDpi xmlns:a14="http://schemas.microsoft.com/office/drawing/2010/main" val="0"/>
-              </a:ext>
-            </a:extLst>
-          </a:blip>
-          <a:stretch>
-            <a:fillRect/>
-          </a:stretch>
-        </p:blipFill>
-        <p:spPr>
-          <a:xfrm>
-            <a:off x="8231038" y="1825625"/>
-            <a:ext cx="3960962" cy="3960962"/>
-          </a:xfrm>
-          <a:prstGeom prst="rect">
-            <a:avLst/>
-          </a:prstGeom>
-        </p:spPr>
-      </p:pic>
-    </p:spTree>
-    <p:extLst>
-      <p:ext uri="{BB962C8B-B14F-4D97-AF65-F5344CB8AC3E}">
-        <p14:creationId xmlns:p14="http://schemas.microsoft.com/office/powerpoint/2010/main" val="1661263433"/>
-      </p:ext>
-    </p:extLst>
-  </p:cSld>
-  <p:clrMapOvr>
-    <a:masterClrMapping/>
-  </p:clrMapOvr>
-</p:sld>
-</file>
-
-<file path=ppt/slides/slide40.xml><?xml version="1.0" encoding="utf-8"?>
-<p:sld xmlns:a="http://schemas.openxmlformats.org/drawingml/2006/main" xmlns:r="http://schemas.openxmlformats.org/officeDocument/2006/relationships" xmlns:p="http://schemas.openxmlformats.org/presentationml/2006/main">
-  <p:cSld>
-    <p:spTree>
-      <p:nvGrpSpPr>
-        <p:cNvPr id="1" name=""/>
-        <p:cNvGrpSpPr/>
-        <p:nvPr/>
-      </p:nvGrpSpPr>
-      <p:grpSpPr>
-        <a:xfrm>
-          <a:off x="0" y="0"/>
-          <a:ext cx="0" cy="0"/>
-          <a:chOff x="0" y="0"/>
-          <a:chExt cx="0" cy="0"/>
-        </a:xfrm>
-      </p:grpSpPr>
-      <p:sp>
-        <p:nvSpPr>
-          <p:cNvPr id="2" name="Title 1">
-            <a:extLst>
-              <a:ext uri="{FF2B5EF4-FFF2-40B4-BE49-F238E27FC236}">
                 <a16:creationId xmlns:a16="http://schemas.microsoft.com/office/drawing/2014/main" id="{50E8FB7A-4FA3-4430-BF13-F06B5A21501A}"/>
               </a:ext>
             </a:extLst>
@@ -13148,7 +12933,7 @@
 </p:sld>
 </file>
 
-<file path=ppt/slides/slide41.xml><?xml version="1.0" encoding="utf-8"?>
+<file path=ppt/slides/slide42.xml><?xml version="1.0" encoding="utf-8"?>
 <p:sld xmlns:a="http://schemas.openxmlformats.org/drawingml/2006/main" xmlns:r="http://schemas.openxmlformats.org/officeDocument/2006/relationships" xmlns:p="http://schemas.openxmlformats.org/presentationml/2006/main">
   <p:cSld>
     <p:spTree>
@@ -13682,7 +13467,7 @@
 </p:sld>
 </file>
 
-<file path=ppt/slides/slide42.xml><?xml version="1.0" encoding="utf-8"?>
+<file path=ppt/slides/slide43.xml><?xml version="1.0" encoding="utf-8"?>
 <p:sld xmlns:a="http://schemas.openxmlformats.org/drawingml/2006/main" xmlns:r="http://schemas.openxmlformats.org/officeDocument/2006/relationships" xmlns:p="http://schemas.openxmlformats.org/presentationml/2006/main">
   <p:cSld>
     <p:spTree>
@@ -13978,7 +13763,7 @@
 </p:sld>
 </file>
 
-<file path=ppt/slides/slide43.xml><?xml version="1.0" encoding="utf-8"?>
+<file path=ppt/slides/slide44.xml><?xml version="1.0" encoding="utf-8"?>
 <p:sld xmlns:a="http://schemas.openxmlformats.org/drawingml/2006/main" xmlns:r="http://schemas.openxmlformats.org/officeDocument/2006/relationships" xmlns:p="http://schemas.openxmlformats.org/presentationml/2006/main">
   <p:cSld>
     <p:spTree>
@@ -14062,19 +13847,19 @@
           <a:p>
             <a:r>
               <a:rPr lang="en-US" dirty="0"/>
-              <a:t>Dynamic slipping</a:t>
+              <a:t>Dynamic slipping.</a:t>
             </a:r>
           </a:p>
           <a:p>
             <a:r>
               <a:rPr lang="en-US" dirty="0"/>
-              <a:t>Frame-wise Interface resampling</a:t>
+              <a:t>Frame-wise Interface resampling.</a:t>
             </a:r>
           </a:p>
           <a:p>
             <a:r>
               <a:rPr lang="en-US" dirty="0"/>
-              <a:t>Interface splicing</a:t>
+              <a:t>Interface splicing.</a:t>
             </a:r>
           </a:p>
           <a:p>
@@ -14092,25 +13877,19 @@
           <a:p>
             <a:r>
               <a:rPr lang="en-US" dirty="0"/>
-              <a:t>No variable viscosity</a:t>
+              <a:t>No variable viscosity.</a:t>
             </a:r>
           </a:p>
           <a:p>
             <a:r>
               <a:rPr lang="en-US" dirty="0"/>
-              <a:t>No adaptive mesh refinement</a:t>
+              <a:t>No adaptive mesh refinement.</a:t>
             </a:r>
           </a:p>
           <a:p>
             <a:r>
               <a:rPr lang="en-US" dirty="0"/>
-              <a:t>Questionable volume (area) conservation</a:t>
-            </a:r>
-          </a:p>
-          <a:p>
-            <a:r>
-              <a:rPr lang="en-US" dirty="0"/>
-              <a:t>Density markers progressively less uniform</a:t>
+              <a:t>Density markers progressively less uniform.</a:t>
             </a:r>
           </a:p>
         </p:txBody>
@@ -14158,7 +13937,7 @@
 </p:sld>
 </file>
 
-<file path=ppt/slides/slide44.xml><?xml version="1.0" encoding="utf-8"?>
+<file path=ppt/slides/slide45.xml><?xml version="1.0" encoding="utf-8"?>
 <p:sld xmlns:a="http://schemas.openxmlformats.org/drawingml/2006/main" xmlns:r="http://schemas.openxmlformats.org/officeDocument/2006/relationships" xmlns:p="http://schemas.openxmlformats.org/presentationml/2006/main">
   <p:cSld>
     <p:spTree>
@@ -14230,7 +14009,7 @@
         </p:spPr>
         <p:txBody>
           <a:bodyPr>
-            <a:normAutofit fontScale="92500" lnSpcReduction="20000"/>
+            <a:normAutofit fontScale="77500" lnSpcReduction="20000"/>
           </a:bodyPr>
           <a:lstStyle/>
           <a:p>
@@ -14470,6 +14249,29 @@
                 <a:cs typeface="Times New Roman" panose="02020603050405020304" pitchFamily="18" charset="0"/>
               </a:rPr>
               <a:t> Kim, Charles S. Peskin. Numerical study of incompressible fluid dynamics with nonuniform density by the immersed boundary method. 2007. </a:t>
+            </a:r>
+          </a:p>
+          <a:p>
+            <a:r>
+              <a:rPr lang="en-US" dirty="0">
+                <a:latin typeface="Times New Roman" panose="02020603050405020304" pitchFamily="18" charset="0"/>
+                <a:cs typeface="Times New Roman" panose="02020603050405020304" pitchFamily="18" charset="0"/>
+              </a:rPr>
+              <a:t>Rising Bubble Benchmark. </a:t>
+            </a:r>
+            <a:r>
+              <a:rPr lang="en-US" dirty="0">
+                <a:cs typeface="Times New Roman" panose="02020603050405020304" pitchFamily="18" charset="0"/>
+                <a:hlinkClick r:id="rId4"/>
+              </a:rPr>
+              <a:t>www.featflow.de/en/benchmarks/cfdbenchmarking/bubble/bubble_configurations.html</a:t>
+            </a:r>
+            <a:r>
+              <a:rPr lang="en-US" dirty="0">
+                <a:latin typeface="Times New Roman" panose="02020603050405020304" pitchFamily="18" charset="0"/>
+                <a:cs typeface="Times New Roman" panose="02020603050405020304" pitchFamily="18" charset="0"/>
+              </a:rPr>
+              <a:t> </a:t>
             </a:r>
           </a:p>
         </p:txBody>
@@ -14509,7 +14311,7 @@
           <p:cNvPr id="2" name="Title 1">
             <a:extLst>
               <a:ext uri="{FF2B5EF4-FFF2-40B4-BE49-F238E27FC236}">
-                <a16:creationId xmlns:a16="http://schemas.microsoft.com/office/drawing/2014/main" id="{7EC1C50A-7A4A-4E45-A8E7-454013BA4134}"/>
+                <a16:creationId xmlns:a16="http://schemas.microsoft.com/office/drawing/2014/main" id="{1E5DBB3F-FBE2-465F-A430-CE9F80E22256}"/>
               </a:ext>
             </a:extLst>
           </p:cNvPr>
@@ -14527,7 +14329,7 @@
           <a:p>
             <a:r>
               <a:rPr lang="en-US" dirty="0"/>
-              <a:t>Natural extension: Young’s force</a:t>
+              <a:t>Tension force</a:t>
             </a:r>
           </a:p>
         </p:txBody>
@@ -14537,7 +14339,7 @@
           <p:cNvPr id="3" name="Content Placeholder 2">
             <a:extLst>
               <a:ext uri="{FF2B5EF4-FFF2-40B4-BE49-F238E27FC236}">
-                <a16:creationId xmlns:a16="http://schemas.microsoft.com/office/drawing/2014/main" id="{684DC330-CDD0-46EA-B77C-414072C24ED8}"/>
+                <a16:creationId xmlns:a16="http://schemas.microsoft.com/office/drawing/2014/main" id="{C9A77988-0891-4B4F-8791-8BD8286B4796}"/>
               </a:ext>
             </a:extLst>
           </p:cNvPr>
@@ -14550,8 +14352,8 @@
         </p:nvSpPr>
         <p:spPr>
           <a:xfrm>
-            <a:off x="838200" y="1618595"/>
-            <a:ext cx="6528758" cy="4808088"/>
+            <a:off x="838200" y="1825625"/>
+            <a:ext cx="7218872" cy="4351338"/>
           </a:xfrm>
         </p:spPr>
         <p:txBody>
@@ -14562,7 +14364,13 @@
           <a:p>
             <a:r>
               <a:rPr lang="en-US" dirty="0"/>
-              <a:t>The same logic also simulates the unbalanced Young’s force at a contact point. </a:t>
+              <a:t>Each interface marker is pulled by its two neighbors at constant magnitude. </a:t>
+            </a:r>
+          </a:p>
+          <a:p>
+            <a:r>
+              <a:rPr lang="en-US" dirty="0"/>
+              <a:t>Note that the total force on one marker is always normal to the interface. </a:t>
             </a:r>
           </a:p>
         </p:txBody>
@@ -14572,7 +14380,7 @@
           <p:cNvPr id="5" name="Picture 4">
             <a:extLst>
               <a:ext uri="{FF2B5EF4-FFF2-40B4-BE49-F238E27FC236}">
-                <a16:creationId xmlns:a16="http://schemas.microsoft.com/office/drawing/2014/main" id="{BCB45999-F116-4D85-8A25-FD2C48A2457D}"/>
+                <a16:creationId xmlns:a16="http://schemas.microsoft.com/office/drawing/2014/main" id="{655F40F9-6053-4EAE-B422-CCA96954F673}"/>
               </a:ext>
             </a:extLst>
           </p:cNvPr>
@@ -14595,8 +14403,8 @@
         </p:blipFill>
         <p:spPr>
           <a:xfrm>
-            <a:off x="7466162" y="1347158"/>
-            <a:ext cx="4725838" cy="4725838"/>
+            <a:off x="8231038" y="1825625"/>
+            <a:ext cx="3960962" cy="3960962"/>
           </a:xfrm>
           <a:prstGeom prst="rect">
             <a:avLst/>
@@ -14606,7 +14414,7 @@
     </p:spTree>
     <p:extLst>
       <p:ext uri="{BB962C8B-B14F-4D97-AF65-F5344CB8AC3E}">
-        <p14:creationId xmlns:p14="http://schemas.microsoft.com/office/powerpoint/2010/main" val="2284364625"/>
+        <p14:creationId xmlns:p14="http://schemas.microsoft.com/office/powerpoint/2010/main" val="1661263433"/>
       </p:ext>
     </p:extLst>
   </p:cSld>
@@ -14638,7 +14446,7 @@
           <p:cNvPr id="2" name="Title 1">
             <a:extLst>
               <a:ext uri="{FF2B5EF4-FFF2-40B4-BE49-F238E27FC236}">
-                <a16:creationId xmlns:a16="http://schemas.microsoft.com/office/drawing/2014/main" id="{C58BF7C3-6B82-4FC5-8CA9-E70DCFD2F399}"/>
+                <a16:creationId xmlns:a16="http://schemas.microsoft.com/office/drawing/2014/main" id="{7EC1C50A-7A4A-4E45-A8E7-454013BA4134}"/>
               </a:ext>
             </a:extLst>
           </p:cNvPr>
@@ -14656,7 +14464,7 @@
           <a:p>
             <a:r>
               <a:rPr lang="en-US" dirty="0"/>
-              <a:t>Beautiful fact</a:t>
+              <a:t>Natural extension: Young’s force</a:t>
             </a:r>
           </a:p>
         </p:txBody>
@@ -14666,7 +14474,7 @@
           <p:cNvPr id="3" name="Content Placeholder 2">
             <a:extLst>
               <a:ext uri="{FF2B5EF4-FFF2-40B4-BE49-F238E27FC236}">
-                <a16:creationId xmlns:a16="http://schemas.microsoft.com/office/drawing/2014/main" id="{28949C3E-E118-42D6-8027-EA43E14B322B}"/>
+                <a16:creationId xmlns:a16="http://schemas.microsoft.com/office/drawing/2014/main" id="{684DC330-CDD0-46EA-B77C-414072C24ED8}"/>
               </a:ext>
             </a:extLst>
           </p:cNvPr>
@@ -14679,23 +14487,19 @@
         </p:nvSpPr>
         <p:spPr>
           <a:xfrm>
-            <a:off x="838201" y="1825625"/>
-            <a:ext cx="6666780" cy="4351338"/>
+            <a:off x="838200" y="1618595"/>
+            <a:ext cx="6528758" cy="4808088"/>
           </a:xfrm>
         </p:spPr>
         <p:txBody>
-          <a:bodyPr/>
+          <a:bodyPr>
+            <a:normAutofit/>
+          </a:bodyPr>
           <a:lstStyle/>
           <a:p>
             <a:r>
               <a:rPr lang="en-US" dirty="0"/>
-              <a:t>Notice that the sum of the tension force on all markers is exactly the sum of Young’s force on the two markers, just inverted in direction. </a:t>
-            </a:r>
-          </a:p>
-          <a:p>
-            <a:r>
-              <a:rPr lang="en-US" dirty="0"/>
-              <a:t>This way, we can view tension force and Young’s force as a pair of action-reaction forces. </a:t>
+              <a:t>The same logic also simulates the unbalanced Young’s force at a contact point. </a:t>
             </a:r>
           </a:p>
         </p:txBody>
@@ -14705,7 +14509,7 @@
           <p:cNvPr id="5" name="Picture 4">
             <a:extLst>
               <a:ext uri="{FF2B5EF4-FFF2-40B4-BE49-F238E27FC236}">
-                <a16:creationId xmlns:a16="http://schemas.microsoft.com/office/drawing/2014/main" id="{647A5A62-E36A-48B1-A30A-F50CCE770A29}"/>
+                <a16:creationId xmlns:a16="http://schemas.microsoft.com/office/drawing/2014/main" id="{BCB45999-F116-4D85-8A25-FD2C48A2457D}"/>
               </a:ext>
             </a:extLst>
           </p:cNvPr>
@@ -14728,8 +14532,8 @@
         </p:blipFill>
         <p:spPr>
           <a:xfrm>
-            <a:off x="7504981" y="1285337"/>
-            <a:ext cx="4537494" cy="4537494"/>
+            <a:off x="7466162" y="1347158"/>
+            <a:ext cx="4725838" cy="4725838"/>
           </a:xfrm>
           <a:prstGeom prst="rect">
             <a:avLst/>
@@ -14739,7 +14543,7 @@
     </p:spTree>
     <p:extLst>
       <p:ext uri="{BB962C8B-B14F-4D97-AF65-F5344CB8AC3E}">
-        <p14:creationId xmlns:p14="http://schemas.microsoft.com/office/powerpoint/2010/main" val="2533678582"/>
+        <p14:creationId xmlns:p14="http://schemas.microsoft.com/office/powerpoint/2010/main" val="2284364625"/>
       </p:ext>
     </p:extLst>
   </p:cSld>
@@ -14771,7 +14575,7 @@
           <p:cNvPr id="2" name="Title 1">
             <a:extLst>
               <a:ext uri="{FF2B5EF4-FFF2-40B4-BE49-F238E27FC236}">
-                <a16:creationId xmlns:a16="http://schemas.microsoft.com/office/drawing/2014/main" id="{70940633-0957-467D-B04D-134C326CBE37}"/>
+                <a16:creationId xmlns:a16="http://schemas.microsoft.com/office/drawing/2014/main" id="{C58BF7C3-6B82-4FC5-8CA9-E70DCFD2F399}"/>
               </a:ext>
             </a:extLst>
           </p:cNvPr>
@@ -14789,7 +14593,7 @@
           <a:p>
             <a:r>
               <a:rPr lang="en-US" dirty="0"/>
-              <a:t>The two forces at the contact point</a:t>
+              <a:t>Beautiful fact</a:t>
             </a:r>
           </a:p>
         </p:txBody>
@@ -14799,7 +14603,7 @@
           <p:cNvPr id="3" name="Content Placeholder 2">
             <a:extLst>
               <a:ext uri="{FF2B5EF4-FFF2-40B4-BE49-F238E27FC236}">
-                <a16:creationId xmlns:a16="http://schemas.microsoft.com/office/drawing/2014/main" id="{AEEB7470-72A6-44CC-A8D6-F79960DDF33E}"/>
+                <a16:creationId xmlns:a16="http://schemas.microsoft.com/office/drawing/2014/main" id="{28949C3E-E118-42D6-8027-EA43E14B322B}"/>
               </a:ext>
             </a:extLst>
           </p:cNvPr>
@@ -14812,8 +14616,8 @@
         </p:nvSpPr>
         <p:spPr>
           <a:xfrm>
-            <a:off x="838200" y="1825625"/>
-            <a:ext cx="6908321" cy="4351338"/>
+            <a:off x="838201" y="1825625"/>
+            <a:ext cx="6666780" cy="4351338"/>
           </a:xfrm>
         </p:spPr>
         <p:txBody>
@@ -14822,23 +14626,23 @@
           <a:p>
             <a:r>
               <a:rPr lang="en-US" dirty="0"/>
-              <a:t>Young’s force is tangent to the wall. </a:t>
+              <a:t>Notice that the sum of the tension force on all markers is exactly the sum of Young’s force on the two markers, just inverted in direction. </a:t>
             </a:r>
           </a:p>
           <a:p>
             <a:r>
               <a:rPr lang="en-US" dirty="0"/>
-              <a:t>The tension force is normal to the interface. </a:t>
+              <a:t>This way, we can view tension force and Young’s force as a pair of action-reaction forces. </a:t>
             </a:r>
           </a:p>
         </p:txBody>
       </p:sp>
       <p:pic>
         <p:nvPicPr>
-          <p:cNvPr id="6" name="Picture 5">
-            <a:extLst>
-              <a:ext uri="{FF2B5EF4-FFF2-40B4-BE49-F238E27FC236}">
-                <a16:creationId xmlns:a16="http://schemas.microsoft.com/office/drawing/2014/main" id="{AAFC5971-3A6E-485D-8F63-3B83B4FBF1D6}"/>
+          <p:cNvPr id="5" name="Picture 4">
+            <a:extLst>
+              <a:ext uri="{FF2B5EF4-FFF2-40B4-BE49-F238E27FC236}">
+                <a16:creationId xmlns:a16="http://schemas.microsoft.com/office/drawing/2014/main" id="{647A5A62-E36A-48B1-A30A-F50CCE770A29}"/>
               </a:ext>
             </a:extLst>
           </p:cNvPr>
@@ -14861,8 +14665,8 @@
         </p:blipFill>
         <p:spPr>
           <a:xfrm>
-            <a:off x="7668883" y="2208362"/>
-            <a:ext cx="4336689" cy="3132054"/>
+            <a:off x="7504981" y="1285337"/>
+            <a:ext cx="4537494" cy="4537494"/>
           </a:xfrm>
           <a:prstGeom prst="rect">
             <a:avLst/>
@@ -14872,7 +14676,7 @@
     </p:spTree>
     <p:extLst>
       <p:ext uri="{BB962C8B-B14F-4D97-AF65-F5344CB8AC3E}">
-        <p14:creationId xmlns:p14="http://schemas.microsoft.com/office/powerpoint/2010/main" val="1841929220"/>
+        <p14:creationId xmlns:p14="http://schemas.microsoft.com/office/powerpoint/2010/main" val="2533678582"/>
       </p:ext>
     </p:extLst>
   </p:cSld>
@@ -14927,8 +14731,141 @@
           </a:p>
         </p:txBody>
       </p:sp>
-      <mc:AlternateContent xmlns:mc="http://schemas.openxmlformats.org/markup-compatibility/2006" xmlns:a14="http://schemas.microsoft.com/office/drawing/2010/main">
-        <mc:Choice Requires="a14">
+      <p:sp>
+        <p:nvSpPr>
+          <p:cNvPr id="3" name="Content Placeholder 2">
+            <a:extLst>
+              <a:ext uri="{FF2B5EF4-FFF2-40B4-BE49-F238E27FC236}">
+                <a16:creationId xmlns:a16="http://schemas.microsoft.com/office/drawing/2014/main" id="{AEEB7470-72A6-44CC-A8D6-F79960DDF33E}"/>
+              </a:ext>
+            </a:extLst>
+          </p:cNvPr>
+          <p:cNvSpPr>
+            <a:spLocks noGrp="1"/>
+          </p:cNvSpPr>
+          <p:nvPr>
+            <p:ph idx="1"/>
+          </p:nvPr>
+        </p:nvSpPr>
+        <p:spPr>
+          <a:xfrm>
+            <a:off x="838200" y="1825625"/>
+            <a:ext cx="6908321" cy="4351338"/>
+          </a:xfrm>
+        </p:spPr>
+        <p:txBody>
+          <a:bodyPr/>
+          <a:lstStyle/>
+          <a:p>
+            <a:r>
+              <a:rPr lang="en-US" dirty="0"/>
+              <a:t>Young’s force is tangent to the wall. </a:t>
+            </a:r>
+          </a:p>
+          <a:p>
+            <a:r>
+              <a:rPr lang="en-US" dirty="0"/>
+              <a:t>The tension force is normal to the interface. </a:t>
+            </a:r>
+          </a:p>
+        </p:txBody>
+      </p:sp>
+      <p:pic>
+        <p:nvPicPr>
+          <p:cNvPr id="6" name="Picture 5">
+            <a:extLst>
+              <a:ext uri="{FF2B5EF4-FFF2-40B4-BE49-F238E27FC236}">
+                <a16:creationId xmlns:a16="http://schemas.microsoft.com/office/drawing/2014/main" id="{AAFC5971-3A6E-485D-8F63-3B83B4FBF1D6}"/>
+              </a:ext>
+            </a:extLst>
+          </p:cNvPr>
+          <p:cNvPicPr>
+            <a:picLocks noChangeAspect="1"/>
+          </p:cNvPicPr>
+          <p:nvPr/>
+        </p:nvPicPr>
+        <p:blipFill>
+          <a:blip r:embed="rId2">
+            <a:extLst>
+              <a:ext uri="{28A0092B-C50C-407E-A947-70E740481C1C}">
+                <a14:useLocalDpi xmlns:a14="http://schemas.microsoft.com/office/drawing/2010/main" val="0"/>
+              </a:ext>
+            </a:extLst>
+          </a:blip>
+          <a:stretch>
+            <a:fillRect/>
+          </a:stretch>
+        </p:blipFill>
+        <p:spPr>
+          <a:xfrm>
+            <a:off x="7668883" y="2208362"/>
+            <a:ext cx="4336689" cy="3132054"/>
+          </a:xfrm>
+          <a:prstGeom prst="rect">
+            <a:avLst/>
+          </a:prstGeom>
+        </p:spPr>
+      </p:pic>
+    </p:spTree>
+    <p:extLst>
+      <p:ext uri="{BB962C8B-B14F-4D97-AF65-F5344CB8AC3E}">
+        <p14:creationId xmlns:p14="http://schemas.microsoft.com/office/powerpoint/2010/main" val="1841929220"/>
+      </p:ext>
+    </p:extLst>
+  </p:cSld>
+  <p:clrMapOvr>
+    <a:masterClrMapping/>
+  </p:clrMapOvr>
+</p:sld>
+</file>
+
+<file path=ppt/slides/slide9.xml><?xml version="1.0" encoding="utf-8"?>
+<p:sld xmlns:a="http://schemas.openxmlformats.org/drawingml/2006/main" xmlns:r="http://schemas.openxmlformats.org/officeDocument/2006/relationships" xmlns:p="http://schemas.openxmlformats.org/presentationml/2006/main">
+  <p:cSld>
+    <p:spTree>
+      <p:nvGrpSpPr>
+        <p:cNvPr id="1" name=""/>
+        <p:cNvGrpSpPr/>
+        <p:nvPr/>
+      </p:nvGrpSpPr>
+      <p:grpSpPr>
+        <a:xfrm>
+          <a:off x="0" y="0"/>
+          <a:ext cx="0" cy="0"/>
+          <a:chOff x="0" y="0"/>
+          <a:chExt cx="0" cy="0"/>
+        </a:xfrm>
+      </p:grpSpPr>
+      <p:sp>
+        <p:nvSpPr>
+          <p:cNvPr id="2" name="Title 1">
+            <a:extLst>
+              <a:ext uri="{FF2B5EF4-FFF2-40B4-BE49-F238E27FC236}">
+                <a16:creationId xmlns:a16="http://schemas.microsoft.com/office/drawing/2014/main" id="{70940633-0957-467D-B04D-134C326CBE37}"/>
+              </a:ext>
+            </a:extLst>
+          </p:cNvPr>
+          <p:cNvSpPr>
+            <a:spLocks noGrp="1"/>
+          </p:cNvSpPr>
+          <p:nvPr>
+            <p:ph type="title"/>
+          </p:nvPr>
+        </p:nvSpPr>
+        <p:spPr/>
+        <p:txBody>
+          <a:bodyPr/>
+          <a:lstStyle/>
+          <a:p>
+            <a:r>
+              <a:rPr lang="en-US" dirty="0"/>
+              <a:t>The two forces at the contact point</a:t>
+            </a:r>
+          </a:p>
+        </p:txBody>
+      </p:sp>
+      <mc:AlternateContent xmlns:mc="http://schemas.openxmlformats.org/markup-compatibility/2006">
+        <mc:Choice xmlns:a14="http://schemas.microsoft.com/office/drawing/2010/main" Requires="a14">
           <p:sp>
             <p:nvSpPr>
               <p:cNvPr id="3" name="Content Placeholder 2">
@@ -14967,6 +14904,12 @@
                       </a:rPr>
                       <m:t>𝑁</m:t>
                     </m:r>
+                    <m:r>
+                      <a:rPr lang="en-US" b="0" i="1" smtClean="0">
+                        <a:latin typeface="Cambria Math" panose="02040503050406030204" pitchFamily="18" charset="0"/>
+                      </a:rPr>
+                      <m:t>.</m:t>
+                    </m:r>
                   </m:oMath>
                 </a14:m>
                 <a:endParaRPr lang="en-US" dirty="0"/>
@@ -14998,7 +14941,10 @@
                     </m:r>
                   </m:oMath>
                 </a14:m>
-                <a:endParaRPr lang="en-US" dirty="0"/>
+                <a:r>
+                  <a:rPr lang="en-US" dirty="0"/>
+                  <a:t>.</a:t>
+                </a:r>
               </a:p>
               <a:p>
                 <a:r>
@@ -15009,7 +14955,7 @@
             </p:txBody>
           </p:sp>
         </mc:Choice>
-        <mc:Fallback xmlns="">
+        <mc:Fallback>
           <p:sp>
             <p:nvSpPr>
               <p:cNvPr id="3" name="Content Placeholder 2">
@@ -15093,150 +15039,6 @@
     <p:extLst>
       <p:ext uri="{BB962C8B-B14F-4D97-AF65-F5344CB8AC3E}">
         <p14:creationId xmlns:p14="http://schemas.microsoft.com/office/powerpoint/2010/main" val="1676496444"/>
-      </p:ext>
-    </p:extLst>
-  </p:cSld>
-  <p:clrMapOvr>
-    <a:masterClrMapping/>
-  </p:clrMapOvr>
-</p:sld>
-</file>
-
-<file path=ppt/slides/slide9.xml><?xml version="1.0" encoding="utf-8"?>
-<p:sld xmlns:a="http://schemas.openxmlformats.org/drawingml/2006/main" xmlns:r="http://schemas.openxmlformats.org/officeDocument/2006/relationships" xmlns:p="http://schemas.openxmlformats.org/presentationml/2006/main">
-  <p:cSld>
-    <p:spTree>
-      <p:nvGrpSpPr>
-        <p:cNvPr id="1" name=""/>
-        <p:cNvGrpSpPr/>
-        <p:nvPr/>
-      </p:nvGrpSpPr>
-      <p:grpSpPr>
-        <a:xfrm>
-          <a:off x="0" y="0"/>
-          <a:ext cx="0" cy="0"/>
-          <a:chOff x="0" y="0"/>
-          <a:chExt cx="0" cy="0"/>
-        </a:xfrm>
-      </p:grpSpPr>
-      <p:sp>
-        <p:nvSpPr>
-          <p:cNvPr id="2" name="Title 1">
-            <a:extLst>
-              <a:ext uri="{FF2B5EF4-FFF2-40B4-BE49-F238E27FC236}">
-                <a16:creationId xmlns:a16="http://schemas.microsoft.com/office/drawing/2014/main" id="{6564ABF9-DCC8-4782-831D-E073095DA179}"/>
-              </a:ext>
-            </a:extLst>
-          </p:cNvPr>
-          <p:cNvSpPr>
-            <a:spLocks noGrp="1"/>
-          </p:cNvSpPr>
-          <p:nvPr>
-            <p:ph type="title"/>
-          </p:nvPr>
-        </p:nvSpPr>
-        <p:spPr/>
-        <p:txBody>
-          <a:bodyPr/>
-          <a:lstStyle/>
-          <a:p>
-            <a:r>
-              <a:rPr lang="en-US" dirty="0"/>
-              <a:t>No-slip friction balances Young’s force</a:t>
-            </a:r>
-          </a:p>
-        </p:txBody>
-      </p:sp>
-      <p:sp>
-        <p:nvSpPr>
-          <p:cNvPr id="3" name="Content Placeholder 2">
-            <a:extLst>
-              <a:ext uri="{FF2B5EF4-FFF2-40B4-BE49-F238E27FC236}">
-                <a16:creationId xmlns:a16="http://schemas.microsoft.com/office/drawing/2014/main" id="{D19F7DD8-AF45-4BF4-AA56-A90AABA1D81F}"/>
-              </a:ext>
-            </a:extLst>
-          </p:cNvPr>
-          <p:cNvSpPr>
-            <a:spLocks noGrp="1"/>
-          </p:cNvSpPr>
-          <p:nvPr>
-            <p:ph idx="1"/>
-          </p:nvPr>
-        </p:nvSpPr>
-        <p:spPr>
-          <a:xfrm>
-            <a:off x="838200" y="1825625"/>
-            <a:ext cx="6968706" cy="4667250"/>
-          </a:xfrm>
-        </p:spPr>
-        <p:txBody>
-          <a:bodyPr>
-            <a:normAutofit/>
-          </a:bodyPr>
-          <a:lstStyle/>
-          <a:p>
-            <a:r>
-              <a:rPr lang="en-US" dirty="0"/>
-              <a:t>No-slip simply means that this friction force is a </a:t>
-            </a:r>
-            <a:r>
-              <a:rPr lang="en-US" i="1" dirty="0"/>
-              <a:t>reactive force</a:t>
-            </a:r>
-            <a:r>
-              <a:rPr lang="en-US" dirty="0"/>
-              <a:t>, always balancing the sum of </a:t>
-            </a:r>
-            <a:r>
-              <a:rPr lang="en-US" i="1" dirty="0"/>
-              <a:t>active forces </a:t>
-            </a:r>
-            <a:r>
-              <a:rPr lang="en-US" dirty="0"/>
-              <a:t>at this location in the vertical direction. </a:t>
-            </a:r>
-          </a:p>
-        </p:txBody>
-      </p:sp>
-      <p:pic>
-        <p:nvPicPr>
-          <p:cNvPr id="5" name="Picture 4">
-            <a:extLst>
-              <a:ext uri="{FF2B5EF4-FFF2-40B4-BE49-F238E27FC236}">
-                <a16:creationId xmlns:a16="http://schemas.microsoft.com/office/drawing/2014/main" id="{89D14528-7E50-489A-A2BE-6BDD75AB2CCB}"/>
-              </a:ext>
-            </a:extLst>
-          </p:cNvPr>
-          <p:cNvPicPr>
-            <a:picLocks noChangeAspect="1"/>
-          </p:cNvPicPr>
-          <p:nvPr/>
-        </p:nvPicPr>
-        <p:blipFill rotWithShape="1">
-          <a:blip r:embed="rId2">
-            <a:extLst>
-              <a:ext uri="{28A0092B-C50C-407E-A947-70E740481C1C}">
-                <a14:useLocalDpi xmlns:a14="http://schemas.microsoft.com/office/drawing/2010/main" val="0"/>
-              </a:ext>
-            </a:extLst>
-          </a:blip>
-          <a:srcRect l="21893"/>
-          <a:stretch/>
-        </p:blipFill>
-        <p:spPr>
-          <a:xfrm>
-            <a:off x="7919049" y="1825625"/>
-            <a:ext cx="4272951" cy="3951036"/>
-          </a:xfrm>
-          <a:prstGeom prst="rect">
-            <a:avLst/>
-          </a:prstGeom>
-        </p:spPr>
-      </p:pic>
-    </p:spTree>
-    <p:extLst>
-      <p:ext uri="{BB962C8B-B14F-4D97-AF65-F5344CB8AC3E}">
-        <p14:creationId xmlns:p14="http://schemas.microsoft.com/office/powerpoint/2010/main" val="1156346803"/>
       </p:ext>
     </p:extLst>
   </p:cSld>
